--- a/ontozur_presentation/cimerman_ontozur.pptx
+++ b/ontozur_presentation/cimerman_ontozur.pptx
@@ -4,9 +4,13 @@
   <p:sldMasterIdLst>
     <p:sldMasterId id="2147483648" r:id="rId1"/>
   </p:sldMasterIdLst>
+  <p:notesMasterIdLst>
+    <p:notesMasterId r:id="rId5"/>
+  </p:notesMasterIdLst>
   <p:sldIdLst>
     <p:sldId id="256" r:id="rId2"/>
     <p:sldId id="257" r:id="rId3"/>
+    <p:sldId id="258" r:id="rId4"/>
   </p:sldIdLst>
   <p:sldSz cx="9144000" cy="6858000" type="screen4x3"/>
   <p:notesSz cx="6858000" cy="9144000"/>
@@ -108,6 +112,1578 @@
 </p:presentation>
 </file>
 
+<file path=ppt/notesMasters/notesMaster1.xml><?xml version="1.0" encoding="utf-8"?>
+<p:notesMaster xmlns:a="http://schemas.openxmlformats.org/drawingml/2006/main" xmlns:r="http://schemas.openxmlformats.org/officeDocument/2006/relationships" xmlns:p="http://schemas.openxmlformats.org/presentationml/2006/main">
+  <p:cSld>
+    <p:bg>
+      <p:bgRef idx="1001">
+        <a:schemeClr val="bg1"/>
+      </p:bgRef>
+    </p:bg>
+    <p:spTree>
+      <p:nvGrpSpPr>
+        <p:cNvPr id="1" name=""/>
+        <p:cNvGrpSpPr/>
+        <p:nvPr/>
+      </p:nvGrpSpPr>
+      <p:grpSpPr>
+        <a:xfrm>
+          <a:off x="0" y="0"/>
+          <a:ext cx="0" cy="0"/>
+          <a:chOff x="0" y="0"/>
+          <a:chExt cx="0" cy="0"/>
+        </a:xfrm>
+      </p:grpSpPr>
+      <p:sp>
+        <p:nvSpPr>
+          <p:cNvPr id="2" name="Header Placeholder 1"/>
+          <p:cNvSpPr>
+            <a:spLocks noGrp="1"/>
+          </p:cNvSpPr>
+          <p:nvPr>
+            <p:ph type="hdr" sz="quarter"/>
+          </p:nvPr>
+        </p:nvSpPr>
+        <p:spPr>
+          <a:xfrm>
+            <a:off x="0" y="0"/>
+            <a:ext cx="2971800" cy="457200"/>
+          </a:xfrm>
+          <a:prstGeom prst="rect">
+            <a:avLst/>
+          </a:prstGeom>
+        </p:spPr>
+        <p:txBody>
+          <a:bodyPr vert="horz" lIns="91440" tIns="45720" rIns="91440" bIns="45720" rtlCol="0"/>
+          <a:lstStyle>
+            <a:lvl1pPr algn="l">
+              <a:defRPr sz="1200"/>
+            </a:lvl1pPr>
+          </a:lstStyle>
+          <a:p>
+            <a:endParaRPr lang="en-US"/>
+          </a:p>
+        </p:txBody>
+      </p:sp>
+      <p:sp>
+        <p:nvSpPr>
+          <p:cNvPr id="3" name="Date Placeholder 2"/>
+          <p:cNvSpPr>
+            <a:spLocks noGrp="1"/>
+          </p:cNvSpPr>
+          <p:nvPr>
+            <p:ph type="dt" idx="1"/>
+          </p:nvPr>
+        </p:nvSpPr>
+        <p:spPr>
+          <a:xfrm>
+            <a:off x="3884613" y="0"/>
+            <a:ext cx="2971800" cy="457200"/>
+          </a:xfrm>
+          <a:prstGeom prst="rect">
+            <a:avLst/>
+          </a:prstGeom>
+        </p:spPr>
+        <p:txBody>
+          <a:bodyPr vert="horz" lIns="91440" tIns="45720" rIns="91440" bIns="45720" rtlCol="0"/>
+          <a:lstStyle>
+            <a:lvl1pPr algn="r">
+              <a:defRPr sz="1200"/>
+            </a:lvl1pPr>
+          </a:lstStyle>
+          <a:p>
+            <a:fld id="{2A0419D1-A1B8-4F41-AF45-95BE829F19FA}" type="datetimeFigureOut">
+              <a:rPr lang="en-US" smtClean="0"/>
+              <a:t>04/12/15</a:t>
+            </a:fld>
+            <a:endParaRPr lang="en-US"/>
+          </a:p>
+        </p:txBody>
+      </p:sp>
+      <p:sp>
+        <p:nvSpPr>
+          <p:cNvPr id="4" name="Slide Image Placeholder 3"/>
+          <p:cNvSpPr>
+            <a:spLocks noGrp="1" noRot="1" noChangeAspect="1"/>
+          </p:cNvSpPr>
+          <p:nvPr>
+            <p:ph type="sldImg" idx="2"/>
+          </p:nvPr>
+        </p:nvSpPr>
+        <p:spPr>
+          <a:xfrm>
+            <a:off x="1143000" y="685800"/>
+            <a:ext cx="4572000" cy="3429000"/>
+          </a:xfrm>
+          <a:prstGeom prst="rect">
+            <a:avLst/>
+          </a:prstGeom>
+          <a:noFill/>
+          <a:ln w="12700">
+            <a:solidFill>
+              <a:prstClr val="black"/>
+            </a:solidFill>
+          </a:ln>
+        </p:spPr>
+        <p:txBody>
+          <a:bodyPr vert="horz" lIns="91440" tIns="45720" rIns="91440" bIns="45720" rtlCol="0" anchor="ctr"/>
+          <a:lstStyle/>
+          <a:p>
+            <a:endParaRPr lang="en-US"/>
+          </a:p>
+        </p:txBody>
+      </p:sp>
+      <p:sp>
+        <p:nvSpPr>
+          <p:cNvPr id="5" name="Notes Placeholder 4"/>
+          <p:cNvSpPr>
+            <a:spLocks noGrp="1"/>
+          </p:cNvSpPr>
+          <p:nvPr>
+            <p:ph type="body" sz="quarter" idx="3"/>
+          </p:nvPr>
+        </p:nvSpPr>
+        <p:spPr>
+          <a:xfrm>
+            <a:off x="685800" y="4343400"/>
+            <a:ext cx="5486400" cy="4114800"/>
+          </a:xfrm>
+          <a:prstGeom prst="rect">
+            <a:avLst/>
+          </a:prstGeom>
+        </p:spPr>
+        <p:txBody>
+          <a:bodyPr vert="horz" lIns="91440" tIns="45720" rIns="91440" bIns="45720" rtlCol="0"/>
+          <a:lstStyle/>
+          <a:p>
+            <a:pPr lvl="0"/>
+            <a:r>
+              <a:rPr lang="cs-CZ" smtClean="0"/>
+              <a:t>Click to edit Master text styles</a:t>
+            </a:r>
+          </a:p>
+          <a:p>
+            <a:pPr lvl="1"/>
+            <a:r>
+              <a:rPr lang="cs-CZ" smtClean="0"/>
+              <a:t>Second level</a:t>
+            </a:r>
+          </a:p>
+          <a:p>
+            <a:pPr lvl="2"/>
+            <a:r>
+              <a:rPr lang="cs-CZ" smtClean="0"/>
+              <a:t>Third level</a:t>
+            </a:r>
+          </a:p>
+          <a:p>
+            <a:pPr lvl="3"/>
+            <a:r>
+              <a:rPr lang="cs-CZ" smtClean="0"/>
+              <a:t>Fourth level</a:t>
+            </a:r>
+          </a:p>
+          <a:p>
+            <a:pPr lvl="4"/>
+            <a:r>
+              <a:rPr lang="cs-CZ" smtClean="0"/>
+              <a:t>Fifth level</a:t>
+            </a:r>
+            <a:endParaRPr lang="en-US"/>
+          </a:p>
+        </p:txBody>
+      </p:sp>
+      <p:sp>
+        <p:nvSpPr>
+          <p:cNvPr id="6" name="Footer Placeholder 5"/>
+          <p:cNvSpPr>
+            <a:spLocks noGrp="1"/>
+          </p:cNvSpPr>
+          <p:nvPr>
+            <p:ph type="ftr" sz="quarter" idx="4"/>
+          </p:nvPr>
+        </p:nvSpPr>
+        <p:spPr>
+          <a:xfrm>
+            <a:off x="0" y="8685213"/>
+            <a:ext cx="2971800" cy="457200"/>
+          </a:xfrm>
+          <a:prstGeom prst="rect">
+            <a:avLst/>
+          </a:prstGeom>
+        </p:spPr>
+        <p:txBody>
+          <a:bodyPr vert="horz" lIns="91440" tIns="45720" rIns="91440" bIns="45720" rtlCol="0" anchor="b"/>
+          <a:lstStyle>
+            <a:lvl1pPr algn="l">
+              <a:defRPr sz="1200"/>
+            </a:lvl1pPr>
+          </a:lstStyle>
+          <a:p>
+            <a:endParaRPr lang="en-US"/>
+          </a:p>
+        </p:txBody>
+      </p:sp>
+      <p:sp>
+        <p:nvSpPr>
+          <p:cNvPr id="7" name="Slide Number Placeholder 6"/>
+          <p:cNvSpPr>
+            <a:spLocks noGrp="1"/>
+          </p:cNvSpPr>
+          <p:nvPr>
+            <p:ph type="sldNum" sz="quarter" idx="5"/>
+          </p:nvPr>
+        </p:nvSpPr>
+        <p:spPr>
+          <a:xfrm>
+            <a:off x="3884613" y="8685213"/>
+            <a:ext cx="2971800" cy="457200"/>
+          </a:xfrm>
+          <a:prstGeom prst="rect">
+            <a:avLst/>
+          </a:prstGeom>
+        </p:spPr>
+        <p:txBody>
+          <a:bodyPr vert="horz" lIns="91440" tIns="45720" rIns="91440" bIns="45720" rtlCol="0" anchor="b"/>
+          <a:lstStyle>
+            <a:lvl1pPr algn="r">
+              <a:defRPr sz="1200"/>
+            </a:lvl1pPr>
+          </a:lstStyle>
+          <a:p>
+            <a:fld id="{CC5B86E9-DE12-F848-8170-893AF3AE0F9E}" type="slidenum">
+              <a:rPr lang="en-US" smtClean="0"/>
+              <a:t>‹#›</a:t>
+            </a:fld>
+            <a:endParaRPr lang="en-US"/>
+          </a:p>
+        </p:txBody>
+      </p:sp>
+    </p:spTree>
+    <p:extLst>
+      <p:ext uri="{BB962C8B-B14F-4D97-AF65-F5344CB8AC3E}">
+        <p14:creationId xmlns:p14="http://schemas.microsoft.com/office/powerpoint/2010/main" val="2363912891"/>
+      </p:ext>
+    </p:extLst>
+  </p:cSld>
+  <p:clrMap bg1="lt1" tx1="dk1" bg2="lt2" tx2="dk2" accent1="accent1" accent2="accent2" accent3="accent3" accent4="accent4" accent5="accent5" accent6="accent6" hlink="hlink" folHlink="folHlink"/>
+  <p:notesStyle>
+    <a:lvl1pPr marL="0" algn="l" defTabSz="457200" rtl="0" eaLnBrk="1" latinLnBrk="0" hangingPunct="1">
+      <a:defRPr sz="1200" kern="1200">
+        <a:solidFill>
+          <a:schemeClr val="tx1"/>
+        </a:solidFill>
+        <a:latin typeface="+mn-lt"/>
+        <a:ea typeface="+mn-ea"/>
+        <a:cs typeface="+mn-cs"/>
+      </a:defRPr>
+    </a:lvl1pPr>
+    <a:lvl2pPr marL="457200" algn="l" defTabSz="457200" rtl="0" eaLnBrk="1" latinLnBrk="0" hangingPunct="1">
+      <a:defRPr sz="1200" kern="1200">
+        <a:solidFill>
+          <a:schemeClr val="tx1"/>
+        </a:solidFill>
+        <a:latin typeface="+mn-lt"/>
+        <a:ea typeface="+mn-ea"/>
+        <a:cs typeface="+mn-cs"/>
+      </a:defRPr>
+    </a:lvl2pPr>
+    <a:lvl3pPr marL="914400" algn="l" defTabSz="457200" rtl="0" eaLnBrk="1" latinLnBrk="0" hangingPunct="1">
+      <a:defRPr sz="1200" kern="1200">
+        <a:solidFill>
+          <a:schemeClr val="tx1"/>
+        </a:solidFill>
+        <a:latin typeface="+mn-lt"/>
+        <a:ea typeface="+mn-ea"/>
+        <a:cs typeface="+mn-cs"/>
+      </a:defRPr>
+    </a:lvl3pPr>
+    <a:lvl4pPr marL="1371600" algn="l" defTabSz="457200" rtl="0" eaLnBrk="1" latinLnBrk="0" hangingPunct="1">
+      <a:defRPr sz="1200" kern="1200">
+        <a:solidFill>
+          <a:schemeClr val="tx1"/>
+        </a:solidFill>
+        <a:latin typeface="+mn-lt"/>
+        <a:ea typeface="+mn-ea"/>
+        <a:cs typeface="+mn-cs"/>
+      </a:defRPr>
+    </a:lvl4pPr>
+    <a:lvl5pPr marL="1828800" algn="l" defTabSz="457200" rtl="0" eaLnBrk="1" latinLnBrk="0" hangingPunct="1">
+      <a:defRPr sz="1200" kern="1200">
+        <a:solidFill>
+          <a:schemeClr val="tx1"/>
+        </a:solidFill>
+        <a:latin typeface="+mn-lt"/>
+        <a:ea typeface="+mn-ea"/>
+        <a:cs typeface="+mn-cs"/>
+      </a:defRPr>
+    </a:lvl5pPr>
+    <a:lvl6pPr marL="2286000" algn="l" defTabSz="457200" rtl="0" eaLnBrk="1" latinLnBrk="0" hangingPunct="1">
+      <a:defRPr sz="1200" kern="1200">
+        <a:solidFill>
+          <a:schemeClr val="tx1"/>
+        </a:solidFill>
+        <a:latin typeface="+mn-lt"/>
+        <a:ea typeface="+mn-ea"/>
+        <a:cs typeface="+mn-cs"/>
+      </a:defRPr>
+    </a:lvl6pPr>
+    <a:lvl7pPr marL="2743200" algn="l" defTabSz="457200" rtl="0" eaLnBrk="1" latinLnBrk="0" hangingPunct="1">
+      <a:defRPr sz="1200" kern="1200">
+        <a:solidFill>
+          <a:schemeClr val="tx1"/>
+        </a:solidFill>
+        <a:latin typeface="+mn-lt"/>
+        <a:ea typeface="+mn-ea"/>
+        <a:cs typeface="+mn-cs"/>
+      </a:defRPr>
+    </a:lvl7pPr>
+    <a:lvl8pPr marL="3200400" algn="l" defTabSz="457200" rtl="0" eaLnBrk="1" latinLnBrk="0" hangingPunct="1">
+      <a:defRPr sz="1200" kern="1200">
+        <a:solidFill>
+          <a:schemeClr val="tx1"/>
+        </a:solidFill>
+        <a:latin typeface="+mn-lt"/>
+        <a:ea typeface="+mn-ea"/>
+        <a:cs typeface="+mn-cs"/>
+      </a:defRPr>
+    </a:lvl8pPr>
+    <a:lvl9pPr marL="3657600" algn="l" defTabSz="457200" rtl="0" eaLnBrk="1" latinLnBrk="0" hangingPunct="1">
+      <a:defRPr sz="1200" kern="1200">
+        <a:solidFill>
+          <a:schemeClr val="tx1"/>
+        </a:solidFill>
+        <a:latin typeface="+mn-lt"/>
+        <a:ea typeface="+mn-ea"/>
+        <a:cs typeface="+mn-cs"/>
+      </a:defRPr>
+    </a:lvl9pPr>
+  </p:notesStyle>
+</p:notesMaster>
+</file>
+
+<file path=ppt/notesSlides/notesSlide1.xml><?xml version="1.0" encoding="utf-8"?>
+<p:notes xmlns:a="http://schemas.openxmlformats.org/drawingml/2006/main" xmlns:r="http://schemas.openxmlformats.org/officeDocument/2006/relationships" xmlns:p="http://schemas.openxmlformats.org/presentationml/2006/main">
+  <p:cSld>
+    <p:spTree>
+      <p:nvGrpSpPr>
+        <p:cNvPr id="1" name=""/>
+        <p:cNvGrpSpPr/>
+        <p:nvPr/>
+      </p:nvGrpSpPr>
+      <p:grpSpPr>
+        <a:xfrm>
+          <a:off x="0" y="0"/>
+          <a:ext cx="0" cy="0"/>
+          <a:chOff x="0" y="0"/>
+          <a:chExt cx="0" cy="0"/>
+        </a:xfrm>
+      </p:grpSpPr>
+      <p:sp>
+        <p:nvSpPr>
+          <p:cNvPr id="2" name="Slide Image Placeholder 1"/>
+          <p:cNvSpPr>
+            <a:spLocks noGrp="1" noRot="1" noChangeAspect="1"/>
+          </p:cNvSpPr>
+          <p:nvPr>
+            <p:ph type="sldImg"/>
+          </p:nvPr>
+        </p:nvSpPr>
+        <p:spPr/>
+      </p:sp>
+      <p:sp>
+        <p:nvSpPr>
+          <p:cNvPr id="3" name="Notes Placeholder 2"/>
+          <p:cNvSpPr>
+            <a:spLocks noGrp="1"/>
+          </p:cNvSpPr>
+          <p:nvPr>
+            <p:ph type="body" idx="1"/>
+          </p:nvPr>
+        </p:nvSpPr>
+        <p:spPr/>
+        <p:txBody>
+          <a:bodyPr/>
+          <a:lstStyle/>
+          <a:p>
+            <a:r>
+              <a:rPr lang="en-US" dirty="0" err="1" smtClean="0"/>
+              <a:t>Ahojte</a:t>
+            </a:r>
+            <a:r>
+              <a:rPr lang="en-US" dirty="0" smtClean="0"/>
+              <a:t>, </a:t>
+            </a:r>
+            <a:r>
+              <a:rPr lang="en-US" dirty="0" err="1" smtClean="0"/>
+              <a:t>moje</a:t>
+            </a:r>
+            <a:r>
+              <a:rPr lang="en-US" dirty="0" smtClean="0"/>
+              <a:t> </a:t>
+            </a:r>
+            <a:r>
+              <a:rPr lang="en-US" dirty="0" err="1" smtClean="0"/>
+              <a:t>meno</a:t>
+            </a:r>
+            <a:r>
+              <a:rPr lang="en-US" dirty="0" smtClean="0"/>
+              <a:t> je </a:t>
+            </a:r>
+            <a:r>
+              <a:rPr lang="en-US" dirty="0" err="1" smtClean="0"/>
+              <a:t>Matus</a:t>
+            </a:r>
+            <a:r>
+              <a:rPr lang="en-US" dirty="0" smtClean="0"/>
+              <a:t> a s </a:t>
+            </a:r>
+            <a:r>
+              <a:rPr lang="en-US" dirty="0" err="1" smtClean="0"/>
+              <a:t>Jakubom</a:t>
+            </a:r>
+            <a:r>
+              <a:rPr lang="en-US" dirty="0" smtClean="0"/>
+              <a:t> </a:t>
+            </a:r>
+            <a:r>
+              <a:rPr lang="en-US" dirty="0" err="1" smtClean="0"/>
+              <a:t>sa</a:t>
+            </a:r>
+            <a:r>
+              <a:rPr lang="en-US" dirty="0" smtClean="0"/>
+              <a:t> </a:t>
+            </a:r>
+            <a:r>
+              <a:rPr lang="en-US" dirty="0" err="1" smtClean="0"/>
+              <a:t>venujeme</a:t>
+            </a:r>
+            <a:r>
+              <a:rPr lang="en-US" dirty="0" smtClean="0"/>
+              <a:t>:</a:t>
+            </a:r>
+          </a:p>
+          <a:p>
+            <a:r>
+              <a:rPr lang="en-US" dirty="0" err="1" smtClean="0"/>
+              <a:t>Venujeme</a:t>
+            </a:r>
+            <a:r>
+              <a:rPr lang="en-US" dirty="0" smtClean="0"/>
+              <a:t> </a:t>
+            </a:r>
+            <a:r>
+              <a:rPr lang="en-US" dirty="0" err="1" smtClean="0"/>
+              <a:t>sa</a:t>
+            </a:r>
+            <a:r>
+              <a:rPr lang="en-US" dirty="0" smtClean="0"/>
+              <a:t> analyze </a:t>
+            </a:r>
+            <a:r>
+              <a:rPr lang="en-US" dirty="0" err="1" smtClean="0"/>
+              <a:t>prudu</a:t>
+            </a:r>
+            <a:r>
+              <a:rPr lang="en-US" dirty="0" smtClean="0"/>
+              <a:t> </a:t>
+            </a:r>
+            <a:r>
+              <a:rPr lang="en-US" dirty="0" err="1" smtClean="0"/>
+              <a:t>prichadzajucich</a:t>
+            </a:r>
+            <a:r>
+              <a:rPr lang="en-US" baseline="0" dirty="0" smtClean="0"/>
+              <a:t> </a:t>
+            </a:r>
+            <a:r>
+              <a:rPr lang="en-US" baseline="0" dirty="0" err="1" smtClean="0"/>
+              <a:t>udalosti</a:t>
+            </a:r>
+            <a:r>
+              <a:rPr lang="en-US" baseline="0" dirty="0" smtClean="0"/>
+              <a:t>, </a:t>
+            </a:r>
+            <a:r>
+              <a:rPr lang="en-US" baseline="0" dirty="0" err="1" smtClean="0"/>
+              <a:t>alebo</a:t>
+            </a:r>
+            <a:r>
+              <a:rPr lang="en-US" baseline="0" dirty="0" smtClean="0"/>
+              <a:t> v </a:t>
+            </a:r>
+            <a:r>
+              <a:rPr lang="en-US" baseline="0" dirty="0" err="1" smtClean="0"/>
+              <a:t>skratke</a:t>
+            </a:r>
+            <a:r>
+              <a:rPr lang="en-US" baseline="0" dirty="0" smtClean="0"/>
+              <a:t> </a:t>
+            </a:r>
+            <a:r>
+              <a:rPr lang="en-US" baseline="0" dirty="0" err="1" smtClean="0"/>
+              <a:t>udajov</a:t>
+            </a:r>
+            <a:r>
+              <a:rPr lang="en-US" baseline="0" dirty="0" smtClean="0"/>
+              <a:t>, </a:t>
+            </a:r>
+            <a:r>
+              <a:rPr lang="en-US" baseline="0" dirty="0" err="1" smtClean="0"/>
+              <a:t>pouzitim</a:t>
+            </a:r>
+            <a:r>
+              <a:rPr lang="en-US" baseline="0" dirty="0" smtClean="0"/>
+              <a:t>, ci </a:t>
+            </a:r>
+            <a:r>
+              <a:rPr lang="en-US" baseline="0" dirty="0" err="1" smtClean="0"/>
+              <a:t>aplikovanim</a:t>
+            </a:r>
+            <a:r>
+              <a:rPr lang="en-US" baseline="0" dirty="0" smtClean="0"/>
+              <a:t> </a:t>
+            </a:r>
+            <a:r>
+              <a:rPr lang="en-US" baseline="0" dirty="0" err="1" smtClean="0"/>
+              <a:t>roznych</a:t>
+            </a:r>
+            <a:r>
+              <a:rPr lang="en-US" baseline="0" dirty="0" smtClean="0"/>
+              <a:t> </a:t>
+            </a:r>
+            <a:r>
+              <a:rPr lang="en-US" baseline="0" dirty="0" err="1" smtClean="0"/>
+              <a:t>analytickych</a:t>
+            </a:r>
+            <a:r>
+              <a:rPr lang="en-US" baseline="0" dirty="0" smtClean="0"/>
+              <a:t> </a:t>
+            </a:r>
+            <a:r>
+              <a:rPr lang="en-US" baseline="0" dirty="0" err="1" smtClean="0"/>
+              <a:t>metod</a:t>
+            </a:r>
+            <a:r>
+              <a:rPr lang="en-US" baseline="0" dirty="0" smtClean="0"/>
+              <a:t>. (15s)</a:t>
+            </a:r>
+          </a:p>
+          <a:p>
+            <a:r>
+              <a:rPr lang="en-US" baseline="0" dirty="0" err="1" smtClean="0"/>
+              <a:t>Asi</a:t>
+            </a:r>
+            <a:r>
+              <a:rPr lang="en-US" baseline="0" dirty="0" smtClean="0"/>
+              <a:t> </a:t>
+            </a:r>
+            <a:r>
+              <a:rPr lang="en-US" baseline="0" dirty="0" err="1" smtClean="0"/>
+              <a:t>kazdy</a:t>
+            </a:r>
+            <a:r>
+              <a:rPr lang="en-US" baseline="0" dirty="0" smtClean="0"/>
+              <a:t> </a:t>
+            </a:r>
+            <a:r>
+              <a:rPr lang="en-US" baseline="0" dirty="0" err="1" smtClean="0"/>
+              <a:t>pozna</a:t>
+            </a:r>
+            <a:r>
+              <a:rPr lang="en-US" baseline="0" dirty="0" smtClean="0"/>
+              <a:t> buzzword Big Data a </a:t>
+            </a:r>
+            <a:r>
+              <a:rPr lang="en-US" baseline="0" dirty="0" err="1" smtClean="0"/>
+              <a:t>snim</a:t>
+            </a:r>
+            <a:r>
+              <a:rPr lang="en-US" baseline="0" dirty="0" smtClean="0"/>
+              <a:t> </a:t>
+            </a:r>
+            <a:r>
+              <a:rPr lang="en-US" baseline="0" dirty="0" err="1" smtClean="0"/>
+              <a:t>spojene</a:t>
+            </a:r>
+            <a:r>
+              <a:rPr lang="en-US" baseline="0" dirty="0" smtClean="0"/>
+              <a:t> </a:t>
+            </a:r>
+            <a:r>
+              <a:rPr lang="en-US" baseline="0" dirty="0" err="1" smtClean="0"/>
+              <a:t>prudy</a:t>
+            </a:r>
+            <a:r>
+              <a:rPr lang="en-US" baseline="0" dirty="0" smtClean="0"/>
+              <a:t> </a:t>
+            </a:r>
+            <a:r>
+              <a:rPr lang="en-US" baseline="0" dirty="0" err="1" smtClean="0"/>
+              <a:t>dat</a:t>
+            </a:r>
+            <a:r>
+              <a:rPr lang="en-US" baseline="0" dirty="0" smtClean="0"/>
+              <a:t> – je </a:t>
+            </a:r>
+            <a:r>
+              <a:rPr lang="en-US" baseline="0" dirty="0" err="1" smtClean="0"/>
+              <a:t>potrebne</a:t>
+            </a:r>
+            <a:r>
+              <a:rPr lang="en-US" baseline="0" dirty="0" smtClean="0"/>
+              <a:t> </a:t>
+            </a:r>
+            <a:r>
+              <a:rPr lang="en-US" baseline="0" dirty="0" err="1" smtClean="0"/>
+              <a:t>casto</a:t>
+            </a:r>
+            <a:r>
+              <a:rPr lang="en-US" baseline="0" dirty="0" smtClean="0"/>
+              <a:t> </a:t>
+            </a:r>
+            <a:r>
+              <a:rPr lang="en-US" baseline="0" dirty="0" err="1" smtClean="0"/>
+              <a:t>robit</a:t>
+            </a:r>
+            <a:r>
+              <a:rPr lang="en-US" baseline="0" dirty="0" smtClean="0"/>
+              <a:t> </a:t>
+            </a:r>
+            <a:r>
+              <a:rPr lang="en-US" baseline="0" dirty="0" err="1" smtClean="0"/>
+              <a:t>analyzu</a:t>
+            </a:r>
+            <a:r>
+              <a:rPr lang="en-US" baseline="0" dirty="0" smtClean="0"/>
+              <a:t> v </a:t>
+            </a:r>
+            <a:r>
+              <a:rPr lang="en-US" baseline="0" dirty="0" err="1" smtClean="0"/>
+              <a:t>realnom</a:t>
+            </a:r>
+            <a:r>
+              <a:rPr lang="en-US" baseline="0" dirty="0" smtClean="0"/>
+              <a:t> case </a:t>
+            </a:r>
+            <a:r>
+              <a:rPr lang="en-US" baseline="0" dirty="0" err="1" smtClean="0"/>
+              <a:t>na</a:t>
+            </a:r>
+            <a:r>
+              <a:rPr lang="en-US" baseline="0" dirty="0" smtClean="0"/>
+              <a:t> co je </a:t>
+            </a:r>
+            <a:r>
+              <a:rPr lang="en-US" baseline="0" dirty="0" err="1" smtClean="0"/>
+              <a:t>mnohokrat</a:t>
+            </a:r>
+            <a:r>
+              <a:rPr lang="en-US" baseline="0" dirty="0" smtClean="0"/>
+              <a:t> </a:t>
+            </a:r>
+            <a:r>
+              <a:rPr lang="en-US" baseline="0" dirty="0" err="1" smtClean="0"/>
+              <a:t>potrebny</a:t>
+            </a:r>
+            <a:r>
+              <a:rPr lang="en-US" baseline="0" dirty="0" smtClean="0"/>
+              <a:t> </a:t>
+            </a:r>
+            <a:r>
+              <a:rPr lang="en-US" baseline="0" dirty="0" err="1" smtClean="0"/>
+              <a:t>domenovy</a:t>
+            </a:r>
+            <a:r>
+              <a:rPr lang="en-US" baseline="0" dirty="0" smtClean="0"/>
+              <a:t> expert – </a:t>
+            </a:r>
+            <a:r>
+              <a:rPr lang="en-US" baseline="0" dirty="0" err="1" smtClean="0"/>
+              <a:t>ktoreho</a:t>
+            </a:r>
+            <a:r>
+              <a:rPr lang="en-US" baseline="0" dirty="0" smtClean="0"/>
+              <a:t> je </a:t>
+            </a:r>
+            <a:r>
+              <a:rPr lang="en-US" baseline="0" dirty="0" err="1" smtClean="0"/>
+              <a:t>narocne</a:t>
+            </a:r>
+            <a:r>
+              <a:rPr lang="en-US" baseline="0" dirty="0" smtClean="0"/>
+              <a:t> </a:t>
+            </a:r>
+            <a:r>
+              <a:rPr lang="en-US" baseline="0" dirty="0" err="1" smtClean="0"/>
+              <a:t>najst</a:t>
+            </a:r>
+            <a:r>
+              <a:rPr lang="en-US" baseline="0" dirty="0" smtClean="0"/>
+              <a:t> (15s???)</a:t>
+            </a:r>
+          </a:p>
+          <a:p>
+            <a:endParaRPr lang="en-US" dirty="0"/>
+          </a:p>
+        </p:txBody>
+      </p:sp>
+      <p:sp>
+        <p:nvSpPr>
+          <p:cNvPr id="4" name="Slide Number Placeholder 3"/>
+          <p:cNvSpPr>
+            <a:spLocks noGrp="1"/>
+          </p:cNvSpPr>
+          <p:nvPr>
+            <p:ph type="sldNum" sz="quarter" idx="10"/>
+          </p:nvPr>
+        </p:nvSpPr>
+        <p:spPr/>
+        <p:txBody>
+          <a:bodyPr/>
+          <a:lstStyle/>
+          <a:p>
+            <a:fld id="{CC5B86E9-DE12-F848-8170-893AF3AE0F9E}" type="slidenum">
+              <a:rPr lang="en-US" smtClean="0"/>
+              <a:t>1</a:t>
+            </a:fld>
+            <a:endParaRPr lang="en-US"/>
+          </a:p>
+        </p:txBody>
+      </p:sp>
+    </p:spTree>
+    <p:extLst>
+      <p:ext uri="{BB962C8B-B14F-4D97-AF65-F5344CB8AC3E}">
+        <p14:creationId xmlns:p14="http://schemas.microsoft.com/office/powerpoint/2010/main" val="1640702427"/>
+      </p:ext>
+    </p:extLst>
+  </p:cSld>
+  <p:clrMapOvr>
+    <a:masterClrMapping/>
+  </p:clrMapOvr>
+</p:notes>
+</file>
+
+<file path=ppt/notesSlides/notesSlide2.xml><?xml version="1.0" encoding="utf-8"?>
+<p:notes xmlns:a="http://schemas.openxmlformats.org/drawingml/2006/main" xmlns:r="http://schemas.openxmlformats.org/officeDocument/2006/relationships" xmlns:p="http://schemas.openxmlformats.org/presentationml/2006/main">
+  <p:cSld>
+    <p:spTree>
+      <p:nvGrpSpPr>
+        <p:cNvPr id="1" name=""/>
+        <p:cNvGrpSpPr/>
+        <p:nvPr/>
+      </p:nvGrpSpPr>
+      <p:grpSpPr>
+        <a:xfrm>
+          <a:off x="0" y="0"/>
+          <a:ext cx="0" cy="0"/>
+          <a:chOff x="0" y="0"/>
+          <a:chExt cx="0" cy="0"/>
+        </a:xfrm>
+      </p:grpSpPr>
+      <p:sp>
+        <p:nvSpPr>
+          <p:cNvPr id="2" name="Slide Image Placeholder 1"/>
+          <p:cNvSpPr>
+            <a:spLocks noGrp="1" noRot="1" noChangeAspect="1"/>
+          </p:cNvSpPr>
+          <p:nvPr>
+            <p:ph type="sldImg"/>
+          </p:nvPr>
+        </p:nvSpPr>
+        <p:spPr/>
+      </p:sp>
+      <p:sp>
+        <p:nvSpPr>
+          <p:cNvPr id="3" name="Notes Placeholder 2"/>
+          <p:cNvSpPr>
+            <a:spLocks noGrp="1"/>
+          </p:cNvSpPr>
+          <p:nvPr>
+            <p:ph type="body" idx="1"/>
+          </p:nvPr>
+        </p:nvSpPr>
+        <p:spPr/>
+        <p:txBody>
+          <a:bodyPr/>
+          <a:lstStyle/>
+          <a:p>
+            <a:r>
+              <a:rPr lang="en-US" dirty="0" err="1" smtClean="0"/>
+              <a:t>Problemom</a:t>
+            </a:r>
+            <a:r>
+              <a:rPr lang="en-US" dirty="0" smtClean="0"/>
+              <a:t> je, </a:t>
+            </a:r>
+            <a:r>
+              <a:rPr lang="en-US" dirty="0" err="1" smtClean="0"/>
+              <a:t>ze</a:t>
+            </a:r>
+            <a:r>
+              <a:rPr lang="en-US" dirty="0" smtClean="0"/>
+              <a:t> </a:t>
+            </a:r>
+            <a:r>
+              <a:rPr lang="en-US" dirty="0" err="1" smtClean="0"/>
+              <a:t>domenovy</a:t>
+            </a:r>
+            <a:r>
+              <a:rPr lang="en-US" baseline="0" dirty="0" smtClean="0"/>
+              <a:t> expert </a:t>
+            </a:r>
+            <a:r>
+              <a:rPr lang="en-US" baseline="0" dirty="0" err="1" smtClean="0"/>
+              <a:t>casto</a:t>
+            </a:r>
+            <a:r>
+              <a:rPr lang="en-US" baseline="0" dirty="0" smtClean="0"/>
+              <a:t> </a:t>
+            </a:r>
+            <a:r>
+              <a:rPr lang="en-US" baseline="0" dirty="0" err="1" smtClean="0"/>
+              <a:t>musi</a:t>
+            </a:r>
+            <a:r>
+              <a:rPr lang="en-US" baseline="0" dirty="0" smtClean="0"/>
+              <a:t> mat </a:t>
+            </a:r>
+            <a:r>
+              <a:rPr lang="en-US" baseline="0" dirty="0" err="1" smtClean="0"/>
+              <a:t>detailnu</a:t>
+            </a:r>
+            <a:r>
+              <a:rPr lang="en-US" baseline="0" dirty="0" smtClean="0"/>
+              <a:t> </a:t>
+            </a:r>
+            <a:r>
+              <a:rPr lang="en-US" baseline="0" dirty="0" err="1" smtClean="0"/>
+              <a:t>znalost</a:t>
+            </a:r>
+            <a:r>
+              <a:rPr lang="en-US" baseline="0" dirty="0" smtClean="0"/>
+              <a:t> o </a:t>
+            </a:r>
+            <a:r>
+              <a:rPr lang="en-US" baseline="0" dirty="0" err="1" smtClean="0"/>
+              <a:t>analytickom</a:t>
+            </a:r>
+            <a:r>
+              <a:rPr lang="en-US" baseline="0" dirty="0" smtClean="0"/>
+              <a:t> </a:t>
+            </a:r>
+            <a:r>
+              <a:rPr lang="en-US" baseline="0" dirty="0" err="1" smtClean="0"/>
+              <a:t>modely</a:t>
+            </a:r>
+            <a:r>
+              <a:rPr lang="en-US" baseline="0" dirty="0" smtClean="0"/>
+              <a:t> – co </a:t>
+            </a:r>
+            <a:r>
+              <a:rPr lang="en-US" baseline="0" dirty="0" err="1" smtClean="0"/>
+              <a:t>moze</a:t>
+            </a:r>
+            <a:r>
+              <a:rPr lang="en-US" baseline="0" dirty="0" smtClean="0"/>
+              <a:t> </a:t>
+            </a:r>
+            <a:r>
+              <a:rPr lang="en-US" baseline="0" dirty="0" err="1" smtClean="0"/>
+              <a:t>byt</a:t>
+            </a:r>
+            <a:r>
+              <a:rPr lang="en-US" baseline="0" dirty="0" smtClean="0"/>
+              <a:t> </a:t>
+            </a:r>
+            <a:r>
+              <a:rPr lang="en-US" baseline="0" dirty="0" err="1" smtClean="0"/>
+              <a:t>narocne</a:t>
+            </a:r>
+            <a:r>
+              <a:rPr lang="en-US" baseline="0" dirty="0" smtClean="0"/>
+              <a:t>, </a:t>
+            </a:r>
+            <a:r>
+              <a:rPr lang="en-US" baseline="0" dirty="0" err="1" smtClean="0"/>
+              <a:t>domenovy</a:t>
+            </a:r>
+            <a:r>
+              <a:rPr lang="en-US" baseline="0" dirty="0" smtClean="0"/>
+              <a:t> </a:t>
+            </a:r>
+            <a:r>
+              <a:rPr lang="en-US" baseline="0" dirty="0" err="1" smtClean="0"/>
+              <a:t>experti</a:t>
+            </a:r>
+            <a:r>
+              <a:rPr lang="en-US" baseline="0" dirty="0" smtClean="0"/>
+              <a:t> </a:t>
+            </a:r>
+            <a:r>
+              <a:rPr lang="en-US" baseline="0" dirty="0" err="1" smtClean="0"/>
+              <a:t>nemusia</a:t>
+            </a:r>
+            <a:r>
+              <a:rPr lang="en-US" baseline="0" dirty="0" smtClean="0"/>
+              <a:t> </a:t>
+            </a:r>
+            <a:r>
+              <a:rPr lang="en-US" baseline="0" dirty="0" err="1" smtClean="0"/>
+              <a:t>nutne</a:t>
+            </a:r>
+            <a:r>
+              <a:rPr lang="en-US" baseline="0" dirty="0" smtClean="0"/>
+              <a:t> </a:t>
+            </a:r>
+            <a:r>
+              <a:rPr lang="en-US" baseline="0" dirty="0" err="1" smtClean="0"/>
+              <a:t>vediet</a:t>
+            </a:r>
+            <a:r>
+              <a:rPr lang="en-US" baseline="0" dirty="0" smtClean="0"/>
+              <a:t> </a:t>
+            </a:r>
+            <a:r>
+              <a:rPr lang="en-US" baseline="0" dirty="0" err="1" smtClean="0"/>
+              <a:t>ako</a:t>
+            </a:r>
+            <a:r>
+              <a:rPr lang="en-US" baseline="0" dirty="0" smtClean="0"/>
+              <a:t> </a:t>
+            </a:r>
+            <a:r>
+              <a:rPr lang="en-US" baseline="0" dirty="0" err="1" smtClean="0"/>
+              <a:t>vo</a:t>
+            </a:r>
+            <a:r>
+              <a:rPr lang="en-US" baseline="0" dirty="0" smtClean="0"/>
+              <a:t> </a:t>
+            </a:r>
+            <a:r>
+              <a:rPr lang="en-US" baseline="0" dirty="0" err="1" smtClean="0"/>
+              <a:t>vnutri</a:t>
+            </a:r>
+            <a:r>
+              <a:rPr lang="en-US" baseline="0" dirty="0" smtClean="0"/>
+              <a:t> model </a:t>
+            </a:r>
+            <a:r>
+              <a:rPr lang="en-US" baseline="0" dirty="0" err="1" smtClean="0"/>
+              <a:t>funguje</a:t>
+            </a:r>
+            <a:r>
+              <a:rPr lang="en-US" baseline="0" dirty="0" smtClean="0"/>
+              <a:t>. (15s)</a:t>
+            </a:r>
+          </a:p>
+          <a:p>
+            <a:r>
+              <a:rPr lang="en-US" baseline="0" dirty="0" err="1" smtClean="0"/>
+              <a:t>Podobne</a:t>
+            </a:r>
+            <a:r>
+              <a:rPr lang="en-US" baseline="0" dirty="0" smtClean="0"/>
+              <a:t> </a:t>
+            </a:r>
+            <a:r>
+              <a:rPr lang="en-US" baseline="0" dirty="0" err="1" smtClean="0"/>
+              <a:t>pristupy</a:t>
+            </a:r>
+            <a:r>
+              <a:rPr lang="en-US" baseline="0" dirty="0" smtClean="0"/>
+              <a:t> </a:t>
+            </a:r>
+            <a:r>
+              <a:rPr lang="en-US" baseline="0" dirty="0" err="1" smtClean="0"/>
+              <a:t>existuju</a:t>
+            </a:r>
+            <a:r>
+              <a:rPr lang="en-US" baseline="0" dirty="0" smtClean="0"/>
+              <a:t> v </a:t>
+            </a:r>
+            <a:r>
+              <a:rPr lang="en-US" baseline="0" dirty="0" err="1" smtClean="0"/>
+              <a:t>oblasti</a:t>
+            </a:r>
+            <a:r>
+              <a:rPr lang="en-US" baseline="0" dirty="0" smtClean="0"/>
+              <a:t> </a:t>
+            </a:r>
+            <a:r>
+              <a:rPr lang="en-US" baseline="0" dirty="0" err="1" smtClean="0"/>
+              <a:t>spracovania</a:t>
+            </a:r>
+            <a:r>
+              <a:rPr lang="en-US" baseline="0" dirty="0" smtClean="0"/>
+              <a:t> </a:t>
+            </a:r>
+            <a:r>
+              <a:rPr lang="en-US" baseline="0" dirty="0" err="1" smtClean="0"/>
+              <a:t>statickych</a:t>
+            </a:r>
+            <a:r>
+              <a:rPr lang="en-US" baseline="0" dirty="0" smtClean="0"/>
+              <a:t> </a:t>
+            </a:r>
+            <a:r>
+              <a:rPr lang="en-US" baseline="0" dirty="0" err="1" smtClean="0"/>
+              <a:t>kolekcii</a:t>
+            </a:r>
+            <a:r>
+              <a:rPr lang="en-US" baseline="0" dirty="0" smtClean="0"/>
+              <a:t> </a:t>
+            </a:r>
+            <a:r>
+              <a:rPr lang="en-US" baseline="0" dirty="0" err="1" smtClean="0"/>
+              <a:t>dat</a:t>
+            </a:r>
+            <a:r>
+              <a:rPr lang="en-US" baseline="0" dirty="0" smtClean="0"/>
+              <a:t> – </a:t>
+            </a:r>
+            <a:r>
+              <a:rPr lang="en-US" baseline="0" dirty="0" err="1" smtClean="0"/>
+              <a:t>dnes</a:t>
+            </a:r>
+            <a:r>
+              <a:rPr lang="en-US" baseline="0" dirty="0" smtClean="0"/>
+              <a:t> </a:t>
+            </a:r>
+            <a:r>
+              <a:rPr lang="en-US" baseline="0" dirty="0" err="1" smtClean="0"/>
+              <a:t>sa</a:t>
+            </a:r>
+            <a:r>
+              <a:rPr lang="en-US" baseline="0" dirty="0" smtClean="0"/>
+              <a:t> </a:t>
+            </a:r>
+            <a:r>
+              <a:rPr lang="en-US" baseline="0" dirty="0" err="1" smtClean="0"/>
+              <a:t>vsak</a:t>
+            </a:r>
+            <a:r>
+              <a:rPr lang="en-US" baseline="0" dirty="0" smtClean="0"/>
+              <a:t> do </a:t>
+            </a:r>
+            <a:r>
+              <a:rPr lang="en-US" baseline="0" dirty="0" err="1" smtClean="0"/>
+              <a:t>pozornosti</a:t>
+            </a:r>
+            <a:r>
+              <a:rPr lang="en-US" baseline="0" dirty="0" smtClean="0"/>
+              <a:t> </a:t>
+            </a:r>
+            <a:r>
+              <a:rPr lang="en-US" baseline="0" dirty="0" err="1" smtClean="0"/>
+              <a:t>dostava</a:t>
+            </a:r>
+            <a:r>
+              <a:rPr lang="en-US" baseline="0" dirty="0" smtClean="0"/>
+              <a:t> </a:t>
+            </a:r>
+            <a:r>
+              <a:rPr lang="en-US" baseline="0" dirty="0" err="1" smtClean="0"/>
+              <a:t>analyza</a:t>
+            </a:r>
+            <a:r>
+              <a:rPr lang="en-US" baseline="0" dirty="0" smtClean="0"/>
+              <a:t> </a:t>
+            </a:r>
+            <a:r>
+              <a:rPr lang="en-US" baseline="0" dirty="0" err="1" smtClean="0"/>
+              <a:t>udajov</a:t>
+            </a:r>
+            <a:r>
+              <a:rPr lang="en-US" baseline="0" dirty="0" smtClean="0"/>
+              <a:t> v case </a:t>
+            </a:r>
+            <a:r>
+              <a:rPr lang="en-US" baseline="0" dirty="0" err="1" smtClean="0"/>
+              <a:t>ich</a:t>
+            </a:r>
+            <a:r>
+              <a:rPr lang="en-US" baseline="0" dirty="0" smtClean="0"/>
+              <a:t> </a:t>
+            </a:r>
+            <a:r>
+              <a:rPr lang="en-US" baseline="0" dirty="0" err="1" smtClean="0"/>
+              <a:t>vzniku</a:t>
+            </a:r>
+            <a:r>
+              <a:rPr lang="en-US" baseline="0" dirty="0" smtClean="0"/>
+              <a:t>, </a:t>
+            </a:r>
+            <a:r>
+              <a:rPr lang="en-US" baseline="0" dirty="0" err="1" smtClean="0"/>
+              <a:t>preto</a:t>
+            </a:r>
+            <a:r>
+              <a:rPr lang="en-US" baseline="0" dirty="0" smtClean="0"/>
+              <a:t> </a:t>
+            </a:r>
+            <a:r>
+              <a:rPr lang="en-US" baseline="0" dirty="0" err="1" smtClean="0"/>
+              <a:t>potrebujeme</a:t>
+            </a:r>
+            <a:r>
+              <a:rPr lang="en-US" baseline="0" dirty="0" smtClean="0"/>
+              <a:t> </a:t>
+            </a:r>
+            <a:r>
+              <a:rPr lang="en-US" baseline="0" dirty="0" err="1" smtClean="0"/>
+              <a:t>tuto</a:t>
+            </a:r>
+            <a:r>
+              <a:rPr lang="en-US" baseline="0" dirty="0" smtClean="0"/>
+              <a:t> oblast </a:t>
+            </a:r>
+            <a:r>
+              <a:rPr lang="en-US" baseline="0" dirty="0" err="1" smtClean="0"/>
+              <a:t>skumat</a:t>
+            </a:r>
+            <a:r>
+              <a:rPr lang="en-US" baseline="0" dirty="0" smtClean="0"/>
+              <a:t>, ci </a:t>
+            </a:r>
+            <a:r>
+              <a:rPr lang="en-US" baseline="0" dirty="0" err="1" smtClean="0"/>
+              <a:t>aplikovania</a:t>
+            </a:r>
+            <a:r>
+              <a:rPr lang="en-US" baseline="0" dirty="0" smtClean="0"/>
+              <a:t> </a:t>
+            </a:r>
+            <a:r>
+              <a:rPr lang="en-US" baseline="0" dirty="0" err="1" smtClean="0"/>
+              <a:t>znamych</a:t>
+            </a:r>
+            <a:r>
+              <a:rPr lang="en-US" baseline="0" dirty="0" smtClean="0"/>
+              <a:t> </a:t>
+            </a:r>
+            <a:r>
+              <a:rPr lang="en-US" baseline="0" dirty="0" err="1" smtClean="0"/>
+              <a:t>modelov</a:t>
+            </a:r>
+            <a:r>
+              <a:rPr lang="en-US" baseline="0" dirty="0" smtClean="0"/>
+              <a:t> </a:t>
+            </a:r>
+            <a:r>
+              <a:rPr lang="en-US" baseline="0" dirty="0" err="1" smtClean="0"/>
+              <a:t>na</a:t>
+            </a:r>
+            <a:r>
+              <a:rPr lang="en-US" baseline="0" dirty="0" smtClean="0"/>
+              <a:t> </a:t>
+            </a:r>
+            <a:r>
+              <a:rPr lang="en-US" baseline="0" dirty="0" err="1" smtClean="0"/>
+              <a:t>prudove</a:t>
+            </a:r>
+            <a:r>
+              <a:rPr lang="en-US" baseline="0" dirty="0" smtClean="0"/>
+              <a:t> </a:t>
+            </a:r>
+            <a:r>
+              <a:rPr lang="en-US" baseline="0" dirty="0" err="1" smtClean="0"/>
+              <a:t>spracovanie</a:t>
+            </a:r>
+            <a:r>
+              <a:rPr lang="en-US" baseline="0" dirty="0" smtClean="0"/>
+              <a:t> (15-20s)</a:t>
+            </a:r>
+            <a:endParaRPr lang="en-US" dirty="0"/>
+          </a:p>
+        </p:txBody>
+      </p:sp>
+      <p:sp>
+        <p:nvSpPr>
+          <p:cNvPr id="4" name="Slide Number Placeholder 3"/>
+          <p:cNvSpPr>
+            <a:spLocks noGrp="1"/>
+          </p:cNvSpPr>
+          <p:nvPr>
+            <p:ph type="sldNum" sz="quarter" idx="10"/>
+          </p:nvPr>
+        </p:nvSpPr>
+        <p:spPr/>
+        <p:txBody>
+          <a:bodyPr/>
+          <a:lstStyle/>
+          <a:p>
+            <a:fld id="{CC5B86E9-DE12-F848-8170-893AF3AE0F9E}" type="slidenum">
+              <a:rPr lang="en-US" smtClean="0"/>
+              <a:t>2</a:t>
+            </a:fld>
+            <a:endParaRPr lang="en-US"/>
+          </a:p>
+        </p:txBody>
+      </p:sp>
+    </p:spTree>
+    <p:extLst>
+      <p:ext uri="{BB962C8B-B14F-4D97-AF65-F5344CB8AC3E}">
+        <p14:creationId xmlns:p14="http://schemas.microsoft.com/office/powerpoint/2010/main" val="1640702427"/>
+      </p:ext>
+    </p:extLst>
+  </p:cSld>
+  <p:clrMapOvr>
+    <a:masterClrMapping/>
+  </p:clrMapOvr>
+</p:notes>
+</file>
+
+<file path=ppt/notesSlides/notesSlide3.xml><?xml version="1.0" encoding="utf-8"?>
+<p:notes xmlns:a="http://schemas.openxmlformats.org/drawingml/2006/main" xmlns:r="http://schemas.openxmlformats.org/officeDocument/2006/relationships" xmlns:p="http://schemas.openxmlformats.org/presentationml/2006/main">
+  <p:cSld>
+    <p:spTree>
+      <p:nvGrpSpPr>
+        <p:cNvPr id="1" name=""/>
+        <p:cNvGrpSpPr/>
+        <p:nvPr/>
+      </p:nvGrpSpPr>
+      <p:grpSpPr>
+        <a:xfrm>
+          <a:off x="0" y="0"/>
+          <a:ext cx="0" cy="0"/>
+          <a:chOff x="0" y="0"/>
+          <a:chExt cx="0" cy="0"/>
+        </a:xfrm>
+      </p:grpSpPr>
+      <p:sp>
+        <p:nvSpPr>
+          <p:cNvPr id="2" name="Slide Image Placeholder 1"/>
+          <p:cNvSpPr>
+            <a:spLocks noGrp="1" noRot="1" noChangeAspect="1"/>
+          </p:cNvSpPr>
+          <p:nvPr>
+            <p:ph type="sldImg"/>
+          </p:nvPr>
+        </p:nvSpPr>
+        <p:spPr/>
+      </p:sp>
+      <p:sp>
+        <p:nvSpPr>
+          <p:cNvPr id="3" name="Notes Placeholder 2"/>
+          <p:cNvSpPr>
+            <a:spLocks noGrp="1"/>
+          </p:cNvSpPr>
+          <p:nvPr>
+            <p:ph type="body" idx="1"/>
+          </p:nvPr>
+        </p:nvSpPr>
+        <p:spPr/>
+        <p:txBody>
+          <a:bodyPr/>
+          <a:lstStyle/>
+          <a:p>
+            <a:r>
+              <a:rPr lang="en-US" dirty="0" err="1" smtClean="0"/>
+              <a:t>Vyber</a:t>
+            </a:r>
+            <a:r>
+              <a:rPr lang="en-US" dirty="0" smtClean="0"/>
+              <a:t> a</a:t>
+            </a:r>
+            <a:r>
+              <a:rPr lang="en-US" baseline="0" dirty="0" smtClean="0"/>
+              <a:t> </a:t>
+            </a:r>
+            <a:r>
+              <a:rPr lang="en-US" baseline="0" dirty="0" err="1" smtClean="0"/>
+              <a:t>navrh</a:t>
+            </a:r>
+            <a:r>
+              <a:rPr lang="en-US" baseline="0" dirty="0" smtClean="0"/>
+              <a:t> </a:t>
+            </a:r>
+            <a:r>
+              <a:rPr lang="en-US" baseline="0" dirty="0" err="1" smtClean="0"/>
+              <a:t>metody</a:t>
+            </a:r>
+            <a:r>
+              <a:rPr lang="en-US" baseline="0" dirty="0" smtClean="0"/>
+              <a:t> </a:t>
+            </a:r>
+            <a:r>
+              <a:rPr lang="en-US" baseline="0" dirty="0" err="1" smtClean="0"/>
+              <a:t>alebo</a:t>
+            </a:r>
+            <a:r>
+              <a:rPr lang="en-US" baseline="0" dirty="0" smtClean="0"/>
+              <a:t> </a:t>
+            </a:r>
+            <a:r>
+              <a:rPr lang="en-US" baseline="0" dirty="0" err="1" smtClean="0"/>
+              <a:t>metod</a:t>
+            </a:r>
+            <a:r>
+              <a:rPr lang="en-US" baseline="0" dirty="0" smtClean="0"/>
+              <a:t> so </a:t>
+            </a:r>
+            <a:r>
+              <a:rPr lang="en-US" baseline="0" dirty="0" err="1" smtClean="0"/>
+              <a:t>zameranim</a:t>
+            </a:r>
+            <a:r>
+              <a:rPr lang="en-US" baseline="0" dirty="0" smtClean="0"/>
+              <a:t> </a:t>
+            </a:r>
+            <a:r>
+              <a:rPr lang="en-US" baseline="0" dirty="0" err="1" smtClean="0"/>
+              <a:t>na</a:t>
+            </a:r>
+            <a:r>
+              <a:rPr lang="en-US" baseline="0" dirty="0" smtClean="0"/>
+              <a:t> </a:t>
+            </a:r>
+            <a:r>
+              <a:rPr lang="en-US" baseline="0" dirty="0" err="1" smtClean="0"/>
+              <a:t>jednoduchost</a:t>
+            </a:r>
+            <a:r>
+              <a:rPr lang="en-US" baseline="0" dirty="0" smtClean="0"/>
+              <a:t> a </a:t>
+            </a:r>
+            <a:r>
+              <a:rPr lang="en-US" baseline="0" dirty="0" err="1" smtClean="0"/>
+              <a:t>interpretovatelnost</a:t>
+            </a:r>
+            <a:r>
+              <a:rPr lang="en-US" baseline="0" dirty="0" smtClean="0"/>
+              <a:t> </a:t>
+            </a:r>
+            <a:r>
+              <a:rPr lang="en-US" baseline="0" dirty="0" err="1" smtClean="0"/>
+              <a:t>pouzivatelom</a:t>
+            </a:r>
+            <a:r>
+              <a:rPr lang="en-US" baseline="0" dirty="0" smtClean="0"/>
+              <a:t> (</a:t>
+            </a:r>
+            <a:r>
+              <a:rPr lang="en-US" baseline="0" dirty="0" err="1" smtClean="0"/>
+              <a:t>domenovy</a:t>
+            </a:r>
+            <a:r>
+              <a:rPr lang="en-US" baseline="0" dirty="0" smtClean="0"/>
+              <a:t> expert) (10s)</a:t>
+            </a:r>
+          </a:p>
+          <a:p>
+            <a:pPr marL="171450" indent="-171450">
+              <a:buFontTx/>
+              <a:buChar char="-"/>
+            </a:pPr>
+            <a:r>
+              <a:rPr lang="en-US" baseline="0" dirty="0" err="1" smtClean="0"/>
+              <a:t>Pouzivatelia</a:t>
+            </a:r>
+            <a:r>
+              <a:rPr lang="en-US" baseline="0" dirty="0" smtClean="0"/>
+              <a:t> </a:t>
+            </a:r>
+            <a:r>
+              <a:rPr lang="en-US" baseline="0" dirty="0" err="1" smtClean="0"/>
+              <a:t>nemaju</a:t>
+            </a:r>
+            <a:r>
+              <a:rPr lang="en-US" baseline="0" dirty="0" smtClean="0"/>
+              <a:t> </a:t>
+            </a:r>
+            <a:r>
+              <a:rPr lang="en-US" baseline="0" dirty="0" err="1" smtClean="0"/>
+              <a:t>detailnu</a:t>
+            </a:r>
+            <a:r>
+              <a:rPr lang="en-US" baseline="0" dirty="0" smtClean="0"/>
+              <a:t> </a:t>
+            </a:r>
+            <a:r>
+              <a:rPr lang="en-US" baseline="0" dirty="0" err="1" smtClean="0"/>
+              <a:t>znalost</a:t>
+            </a:r>
+            <a:r>
+              <a:rPr lang="en-US" baseline="0" dirty="0" smtClean="0"/>
+              <a:t> </a:t>
+            </a:r>
+            <a:r>
+              <a:rPr lang="en-US" baseline="0" dirty="0" err="1" smtClean="0"/>
+              <a:t>modelu</a:t>
+            </a:r>
+            <a:endParaRPr lang="en-US" baseline="0" dirty="0" smtClean="0"/>
+          </a:p>
+          <a:p>
+            <a:pPr marL="171450" indent="-171450">
+              <a:buFontTx/>
+              <a:buChar char="-"/>
+            </a:pPr>
+            <a:r>
+              <a:rPr lang="en-US" baseline="0" dirty="0" err="1" smtClean="0"/>
+              <a:t>Vyber</a:t>
+            </a:r>
+            <a:r>
+              <a:rPr lang="en-US" baseline="0" dirty="0" smtClean="0"/>
+              <a:t> </a:t>
+            </a:r>
+            <a:r>
+              <a:rPr lang="en-US" baseline="0" dirty="0" err="1" smtClean="0"/>
+              <a:t>spravneho</a:t>
+            </a:r>
+            <a:r>
+              <a:rPr lang="en-US" baseline="0" dirty="0" smtClean="0"/>
+              <a:t> </a:t>
+            </a:r>
+            <a:r>
+              <a:rPr lang="en-US" baseline="0" dirty="0" err="1" smtClean="0"/>
+              <a:t>analytickeho</a:t>
+            </a:r>
+            <a:r>
+              <a:rPr lang="en-US" baseline="0" dirty="0" smtClean="0"/>
+              <a:t> </a:t>
+            </a:r>
+            <a:r>
+              <a:rPr lang="en-US" baseline="0" dirty="0" err="1" smtClean="0"/>
+              <a:t>modelu</a:t>
+            </a:r>
+            <a:endParaRPr lang="en-US" baseline="0" dirty="0" smtClean="0"/>
+          </a:p>
+          <a:p>
+            <a:pPr marL="171450" indent="-171450">
+              <a:buFontTx/>
+              <a:buChar char="-"/>
+            </a:pPr>
+            <a:r>
+              <a:rPr lang="en-US" baseline="0" dirty="0" err="1" smtClean="0"/>
+              <a:t>Treba</a:t>
+            </a:r>
+            <a:r>
+              <a:rPr lang="en-US" baseline="0" dirty="0" smtClean="0"/>
+              <a:t> </a:t>
+            </a:r>
+            <a:r>
+              <a:rPr lang="en-US" baseline="0" dirty="0" err="1" smtClean="0"/>
+              <a:t>sa</a:t>
+            </a:r>
+            <a:r>
+              <a:rPr lang="en-US" baseline="0" dirty="0" smtClean="0"/>
+              <a:t> </a:t>
+            </a:r>
+            <a:r>
+              <a:rPr lang="en-US" baseline="0" dirty="0" err="1" smtClean="0"/>
+              <a:t>venovat</a:t>
+            </a:r>
+            <a:r>
+              <a:rPr lang="en-US" baseline="0" dirty="0" smtClean="0"/>
+              <a:t> </a:t>
+            </a:r>
+            <a:r>
+              <a:rPr lang="en-US" baseline="0" dirty="0" err="1" smtClean="0"/>
+              <a:t>tiez</a:t>
+            </a:r>
+            <a:r>
+              <a:rPr lang="en-US" baseline="0" dirty="0" smtClean="0"/>
+              <a:t> </a:t>
+            </a:r>
+            <a:r>
+              <a:rPr lang="en-US" baseline="0" dirty="0" err="1" smtClean="0"/>
+              <a:t>spracovaniu</a:t>
+            </a:r>
+            <a:r>
+              <a:rPr lang="en-US" baseline="0" dirty="0" smtClean="0"/>
+              <a:t> z </a:t>
+            </a:r>
+            <a:r>
+              <a:rPr lang="en-US" baseline="0" dirty="0" err="1" smtClean="0"/>
+              <a:t>pohladu</a:t>
+            </a:r>
+            <a:r>
+              <a:rPr lang="en-US" baseline="0" dirty="0" smtClean="0"/>
+              <a:t> </a:t>
+            </a:r>
+            <a:r>
+              <a:rPr lang="en-US" baseline="0" dirty="0" err="1" smtClean="0"/>
+              <a:t>prudu</a:t>
+            </a:r>
+            <a:r>
+              <a:rPr lang="en-US" baseline="0" dirty="0" smtClean="0"/>
+              <a:t> – </a:t>
+            </a:r>
+            <a:r>
+              <a:rPr lang="en-US" baseline="0" dirty="0" err="1" smtClean="0"/>
+              <a:t>neobmedzene</a:t>
+            </a:r>
+            <a:r>
+              <a:rPr lang="en-US" baseline="0" dirty="0" smtClean="0"/>
+              <a:t> a v </a:t>
+            </a:r>
+            <a:r>
+              <a:rPr lang="en-US" baseline="0" dirty="0" err="1" smtClean="0"/>
+              <a:t>takmer</a:t>
+            </a:r>
+            <a:r>
+              <a:rPr lang="en-US" baseline="0" dirty="0" smtClean="0"/>
+              <a:t> </a:t>
+            </a:r>
+            <a:r>
+              <a:rPr lang="en-US" baseline="0" dirty="0" err="1" smtClean="0"/>
+              <a:t>relanom</a:t>
+            </a:r>
+            <a:r>
+              <a:rPr lang="en-US" baseline="0" dirty="0" smtClean="0"/>
+              <a:t> case</a:t>
+            </a:r>
+          </a:p>
+          <a:p>
+            <a:pPr marL="171450" indent="-171450">
+              <a:buFontTx/>
+              <a:buChar char="-"/>
+            </a:pPr>
+            <a:r>
+              <a:rPr lang="en-US" baseline="0" dirty="0" smtClean="0"/>
+              <a:t>(20s)</a:t>
+            </a:r>
+            <a:endParaRPr lang="en-US" dirty="0"/>
+          </a:p>
+        </p:txBody>
+      </p:sp>
+      <p:sp>
+        <p:nvSpPr>
+          <p:cNvPr id="4" name="Slide Number Placeholder 3"/>
+          <p:cNvSpPr>
+            <a:spLocks noGrp="1"/>
+          </p:cNvSpPr>
+          <p:nvPr>
+            <p:ph type="sldNum" sz="quarter" idx="10"/>
+          </p:nvPr>
+        </p:nvSpPr>
+        <p:spPr/>
+        <p:txBody>
+          <a:bodyPr/>
+          <a:lstStyle/>
+          <a:p>
+            <a:fld id="{CC5B86E9-DE12-F848-8170-893AF3AE0F9E}" type="slidenum">
+              <a:rPr lang="en-US" smtClean="0"/>
+              <a:t>3</a:t>
+            </a:fld>
+            <a:endParaRPr lang="en-US"/>
+          </a:p>
+        </p:txBody>
+      </p:sp>
+    </p:spTree>
+    <p:extLst>
+      <p:ext uri="{BB962C8B-B14F-4D97-AF65-F5344CB8AC3E}">
+        <p14:creationId xmlns:p14="http://schemas.microsoft.com/office/powerpoint/2010/main" val="1640702427"/>
+      </p:ext>
+    </p:extLst>
+  </p:cSld>
+  <p:clrMapOvr>
+    <a:masterClrMapping/>
+  </p:clrMapOvr>
+</p:notes>
+</file>
+
 <file path=ppt/slideLayouts/slideLayout1.xml><?xml version="1.0" encoding="utf-8"?>
 <p:sldLayout xmlns:a="http://schemas.openxmlformats.org/drawingml/2006/main" xmlns:r="http://schemas.openxmlformats.org/officeDocument/2006/relationships" xmlns:p="http://schemas.openxmlformats.org/presentationml/2006/main" type="title" preserve="1">
   <p:cSld name="Title Slide">
@@ -287,9 +1863,9 @@
           <a:bodyPr/>
           <a:lstStyle/>
           <a:p>
-            <a:fld id="{9706EA46-0B60-8F42-8FBD-68103C8485FF}" type="datetimeFigureOut">
+            <a:fld id="{FDCE3AED-617F-F047-B430-24D9255B61B8}" type="datetimeFigureOut">
               <a:rPr lang="en-US" smtClean="0"/>
-              <a:t>27/11/15</a:t>
+              <a:t>04/12/15</a:t>
             </a:fld>
             <a:endParaRPr lang="en-US"/>
           </a:p>
@@ -329,7 +1905,7 @@
           <a:bodyPr/>
           <a:lstStyle/>
           <a:p>
-            <a:fld id="{A0C38306-7F1F-374B-94D4-682635696F2D}" type="slidenum">
+            <a:fld id="{68485F41-4473-3544-8B09-F4834E350D32}" type="slidenum">
               <a:rPr lang="en-US" smtClean="0"/>
               <a:t>‹#›</a:t>
             </a:fld>
@@ -340,7 +1916,7 @@
     </p:spTree>
     <p:extLst>
       <p:ext uri="{BB962C8B-B14F-4D97-AF65-F5344CB8AC3E}">
-        <p14:creationId xmlns:p14="http://schemas.microsoft.com/office/powerpoint/2010/main" val="1684801757"/>
+        <p14:creationId xmlns:p14="http://schemas.microsoft.com/office/powerpoint/2010/main" val="1793425549"/>
       </p:ext>
     </p:extLst>
   </p:cSld>
@@ -383,7 +1959,7 @@
           <a:lstStyle/>
           <a:p>
             <a:r>
-              <a:rPr lang="x-none" smtClean="0"/>
+              <a:rPr lang="cs-CZ" smtClean="0"/>
               <a:t>Click to edit Master title style</a:t>
             </a:r>
             <a:endParaRPr lang="en-US"/>
@@ -407,35 +1983,35 @@
           <a:p>
             <a:pPr lvl="0"/>
             <a:r>
-              <a:rPr lang="x-none" smtClean="0"/>
+              <a:rPr lang="cs-CZ" smtClean="0"/>
               <a:t>Click to edit Master text styles</a:t>
             </a:r>
           </a:p>
           <a:p>
             <a:pPr lvl="1"/>
             <a:r>
-              <a:rPr lang="x-none" smtClean="0"/>
+              <a:rPr lang="cs-CZ" smtClean="0"/>
               <a:t>Second level</a:t>
             </a:r>
           </a:p>
           <a:p>
             <a:pPr lvl="2"/>
             <a:r>
-              <a:rPr lang="x-none" smtClean="0"/>
+              <a:rPr lang="cs-CZ" smtClean="0"/>
               <a:t>Third level</a:t>
             </a:r>
           </a:p>
           <a:p>
             <a:pPr lvl="3"/>
             <a:r>
-              <a:rPr lang="x-none" smtClean="0"/>
+              <a:rPr lang="cs-CZ" smtClean="0"/>
               <a:t>Fourth level</a:t>
             </a:r>
           </a:p>
           <a:p>
             <a:pPr lvl="4"/>
             <a:r>
-              <a:rPr lang="x-none" smtClean="0"/>
+              <a:rPr lang="cs-CZ" smtClean="0"/>
               <a:t>Fifth level</a:t>
             </a:r>
             <a:endParaRPr lang="en-US"/>
@@ -457,9 +2033,9 @@
           <a:bodyPr/>
           <a:lstStyle/>
           <a:p>
-            <a:fld id="{9706EA46-0B60-8F42-8FBD-68103C8485FF}" type="datetimeFigureOut">
+            <a:fld id="{FDCE3AED-617F-F047-B430-24D9255B61B8}" type="datetimeFigureOut">
               <a:rPr lang="en-US" smtClean="0"/>
-              <a:t>27/11/15</a:t>
+              <a:t>04/12/15</a:t>
             </a:fld>
             <a:endParaRPr lang="en-US"/>
           </a:p>
@@ -499,7 +2075,7 @@
           <a:bodyPr/>
           <a:lstStyle/>
           <a:p>
-            <a:fld id="{A0C38306-7F1F-374B-94D4-682635696F2D}" type="slidenum">
+            <a:fld id="{68485F41-4473-3544-8B09-F4834E350D32}" type="slidenum">
               <a:rPr lang="en-US" smtClean="0"/>
               <a:t>‹#›</a:t>
             </a:fld>
@@ -510,7 +2086,7 @@
     </p:spTree>
     <p:extLst>
       <p:ext uri="{BB962C8B-B14F-4D97-AF65-F5344CB8AC3E}">
-        <p14:creationId xmlns:p14="http://schemas.microsoft.com/office/powerpoint/2010/main" val="3304547770"/>
+        <p14:creationId xmlns:p14="http://schemas.microsoft.com/office/powerpoint/2010/main" val="722958920"/>
       </p:ext>
     </p:extLst>
   </p:cSld>
@@ -558,7 +2134,7 @@
           <a:lstStyle/>
           <a:p>
             <a:r>
-              <a:rPr lang="x-none" smtClean="0"/>
+              <a:rPr lang="cs-CZ" smtClean="0"/>
               <a:t>Click to edit Master title style</a:t>
             </a:r>
             <a:endParaRPr lang="en-US"/>
@@ -587,35 +2163,35 @@
           <a:p>
             <a:pPr lvl="0"/>
             <a:r>
-              <a:rPr lang="x-none" smtClean="0"/>
+              <a:rPr lang="cs-CZ" smtClean="0"/>
               <a:t>Click to edit Master text styles</a:t>
             </a:r>
           </a:p>
           <a:p>
             <a:pPr lvl="1"/>
             <a:r>
-              <a:rPr lang="x-none" smtClean="0"/>
+              <a:rPr lang="cs-CZ" smtClean="0"/>
               <a:t>Second level</a:t>
             </a:r>
           </a:p>
           <a:p>
             <a:pPr lvl="2"/>
             <a:r>
-              <a:rPr lang="x-none" smtClean="0"/>
+              <a:rPr lang="cs-CZ" smtClean="0"/>
               <a:t>Third level</a:t>
             </a:r>
           </a:p>
           <a:p>
             <a:pPr lvl="3"/>
             <a:r>
-              <a:rPr lang="x-none" smtClean="0"/>
+              <a:rPr lang="cs-CZ" smtClean="0"/>
               <a:t>Fourth level</a:t>
             </a:r>
           </a:p>
           <a:p>
             <a:pPr lvl="4"/>
             <a:r>
-              <a:rPr lang="x-none" smtClean="0"/>
+              <a:rPr lang="cs-CZ" smtClean="0"/>
               <a:t>Fifth level</a:t>
             </a:r>
             <a:endParaRPr lang="en-US"/>
@@ -637,9 +2213,9 @@
           <a:bodyPr/>
           <a:lstStyle/>
           <a:p>
-            <a:fld id="{9706EA46-0B60-8F42-8FBD-68103C8485FF}" type="datetimeFigureOut">
+            <a:fld id="{FDCE3AED-617F-F047-B430-24D9255B61B8}" type="datetimeFigureOut">
               <a:rPr lang="en-US" smtClean="0"/>
-              <a:t>27/11/15</a:t>
+              <a:t>04/12/15</a:t>
             </a:fld>
             <a:endParaRPr lang="en-US"/>
           </a:p>
@@ -679,7 +2255,7 @@
           <a:bodyPr/>
           <a:lstStyle/>
           <a:p>
-            <a:fld id="{A0C38306-7F1F-374B-94D4-682635696F2D}" type="slidenum">
+            <a:fld id="{68485F41-4473-3544-8B09-F4834E350D32}" type="slidenum">
               <a:rPr lang="en-US" smtClean="0"/>
               <a:t>‹#›</a:t>
             </a:fld>
@@ -690,7 +2266,7 @@
     </p:spTree>
     <p:extLst>
       <p:ext uri="{BB962C8B-B14F-4D97-AF65-F5344CB8AC3E}">
-        <p14:creationId xmlns:p14="http://schemas.microsoft.com/office/powerpoint/2010/main" val="3511008106"/>
+        <p14:creationId xmlns:p14="http://schemas.microsoft.com/office/powerpoint/2010/main" val="1904663067"/>
       </p:ext>
     </p:extLst>
   </p:cSld>
@@ -807,9 +2383,9 @@
           <a:bodyPr/>
           <a:lstStyle/>
           <a:p>
-            <a:fld id="{9706EA46-0B60-8F42-8FBD-68103C8485FF}" type="datetimeFigureOut">
+            <a:fld id="{FDCE3AED-617F-F047-B430-24D9255B61B8}" type="datetimeFigureOut">
               <a:rPr lang="en-US" smtClean="0"/>
-              <a:t>27/11/15</a:t>
+              <a:t>04/12/15</a:t>
             </a:fld>
             <a:endParaRPr lang="en-US"/>
           </a:p>
@@ -849,7 +2425,7 @@
           <a:bodyPr/>
           <a:lstStyle/>
           <a:p>
-            <a:fld id="{A0C38306-7F1F-374B-94D4-682635696F2D}" type="slidenum">
+            <a:fld id="{68485F41-4473-3544-8B09-F4834E350D32}" type="slidenum">
               <a:rPr lang="en-US" smtClean="0"/>
               <a:t>‹#›</a:t>
             </a:fld>
@@ -860,7 +2436,7 @@
     </p:spTree>
     <p:extLst>
       <p:ext uri="{BB962C8B-B14F-4D97-AF65-F5344CB8AC3E}">
-        <p14:creationId xmlns:p14="http://schemas.microsoft.com/office/powerpoint/2010/main" val="62165712"/>
+        <p14:creationId xmlns:p14="http://schemas.microsoft.com/office/powerpoint/2010/main" val="3550590338"/>
       </p:ext>
     </p:extLst>
   </p:cSld>
@@ -912,7 +2488,7 @@
           </a:lstStyle>
           <a:p>
             <a:r>
-              <a:rPr lang="x-none" smtClean="0"/>
+              <a:rPr lang="cs-CZ" smtClean="0"/>
               <a:t>Click to edit Master title style</a:t>
             </a:r>
             <a:endParaRPr lang="en-US"/>
@@ -1032,7 +2608,7 @@
           <a:p>
             <a:pPr lvl="0"/>
             <a:r>
-              <a:rPr lang="x-none" smtClean="0"/>
+              <a:rPr lang="cs-CZ" smtClean="0"/>
               <a:t>Click to edit Master text styles</a:t>
             </a:r>
           </a:p>
@@ -1053,9 +2629,9 @@
           <a:bodyPr/>
           <a:lstStyle/>
           <a:p>
-            <a:fld id="{9706EA46-0B60-8F42-8FBD-68103C8485FF}" type="datetimeFigureOut">
+            <a:fld id="{FDCE3AED-617F-F047-B430-24D9255B61B8}" type="datetimeFigureOut">
               <a:rPr lang="en-US" smtClean="0"/>
-              <a:t>27/11/15</a:t>
+              <a:t>04/12/15</a:t>
             </a:fld>
             <a:endParaRPr lang="en-US"/>
           </a:p>
@@ -1095,7 +2671,7 @@
           <a:bodyPr/>
           <a:lstStyle/>
           <a:p>
-            <a:fld id="{A0C38306-7F1F-374B-94D4-682635696F2D}" type="slidenum">
+            <a:fld id="{68485F41-4473-3544-8B09-F4834E350D32}" type="slidenum">
               <a:rPr lang="en-US" smtClean="0"/>
               <a:t>‹#›</a:t>
             </a:fld>
@@ -1106,7 +2682,7 @@
     </p:spTree>
     <p:extLst>
       <p:ext uri="{BB962C8B-B14F-4D97-AF65-F5344CB8AC3E}">
-        <p14:creationId xmlns:p14="http://schemas.microsoft.com/office/powerpoint/2010/main" val="3252832643"/>
+        <p14:creationId xmlns:p14="http://schemas.microsoft.com/office/powerpoint/2010/main" val="1417899585"/>
       </p:ext>
     </p:extLst>
   </p:cSld>
@@ -1149,7 +2725,7 @@
           <a:lstStyle/>
           <a:p>
             <a:r>
-              <a:rPr lang="x-none" smtClean="0"/>
+              <a:rPr lang="cs-CZ" smtClean="0"/>
               <a:t>Click to edit Master title style</a:t>
             </a:r>
             <a:endParaRPr lang="en-US"/>
@@ -1206,35 +2782,35 @@
           <a:p>
             <a:pPr lvl="0"/>
             <a:r>
-              <a:rPr lang="x-none" smtClean="0"/>
+              <a:rPr lang="cs-CZ" smtClean="0"/>
               <a:t>Click to edit Master text styles</a:t>
             </a:r>
           </a:p>
           <a:p>
             <a:pPr lvl="1"/>
             <a:r>
-              <a:rPr lang="x-none" smtClean="0"/>
+              <a:rPr lang="cs-CZ" smtClean="0"/>
               <a:t>Second level</a:t>
             </a:r>
           </a:p>
           <a:p>
             <a:pPr lvl="2"/>
             <a:r>
-              <a:rPr lang="x-none" smtClean="0"/>
+              <a:rPr lang="cs-CZ" smtClean="0"/>
               <a:t>Third level</a:t>
             </a:r>
           </a:p>
           <a:p>
             <a:pPr lvl="3"/>
             <a:r>
-              <a:rPr lang="x-none" smtClean="0"/>
+              <a:rPr lang="cs-CZ" smtClean="0"/>
               <a:t>Fourth level</a:t>
             </a:r>
           </a:p>
           <a:p>
             <a:pPr lvl="4"/>
             <a:r>
-              <a:rPr lang="x-none" smtClean="0"/>
+              <a:rPr lang="cs-CZ" smtClean="0"/>
               <a:t>Fifth level</a:t>
             </a:r>
             <a:endParaRPr lang="en-US"/>
@@ -1291,35 +2867,35 @@
           <a:p>
             <a:pPr lvl="0"/>
             <a:r>
-              <a:rPr lang="x-none" smtClean="0"/>
+              <a:rPr lang="cs-CZ" smtClean="0"/>
               <a:t>Click to edit Master text styles</a:t>
             </a:r>
           </a:p>
           <a:p>
             <a:pPr lvl="1"/>
             <a:r>
-              <a:rPr lang="x-none" smtClean="0"/>
+              <a:rPr lang="cs-CZ" smtClean="0"/>
               <a:t>Second level</a:t>
             </a:r>
           </a:p>
           <a:p>
             <a:pPr lvl="2"/>
             <a:r>
-              <a:rPr lang="x-none" smtClean="0"/>
+              <a:rPr lang="cs-CZ" smtClean="0"/>
               <a:t>Third level</a:t>
             </a:r>
           </a:p>
           <a:p>
             <a:pPr lvl="3"/>
             <a:r>
-              <a:rPr lang="x-none" smtClean="0"/>
+              <a:rPr lang="cs-CZ" smtClean="0"/>
               <a:t>Fourth level</a:t>
             </a:r>
           </a:p>
           <a:p>
             <a:pPr lvl="4"/>
             <a:r>
-              <a:rPr lang="x-none" smtClean="0"/>
+              <a:rPr lang="cs-CZ" smtClean="0"/>
               <a:t>Fifth level</a:t>
             </a:r>
             <a:endParaRPr lang="en-US"/>
@@ -1341,9 +2917,9 @@
           <a:bodyPr/>
           <a:lstStyle/>
           <a:p>
-            <a:fld id="{9706EA46-0B60-8F42-8FBD-68103C8485FF}" type="datetimeFigureOut">
+            <a:fld id="{FDCE3AED-617F-F047-B430-24D9255B61B8}" type="datetimeFigureOut">
               <a:rPr lang="en-US" smtClean="0"/>
-              <a:t>27/11/15</a:t>
+              <a:t>04/12/15</a:t>
             </a:fld>
             <a:endParaRPr lang="en-US"/>
           </a:p>
@@ -1383,7 +2959,7 @@
           <a:bodyPr/>
           <a:lstStyle/>
           <a:p>
-            <a:fld id="{A0C38306-7F1F-374B-94D4-682635696F2D}" type="slidenum">
+            <a:fld id="{68485F41-4473-3544-8B09-F4834E350D32}" type="slidenum">
               <a:rPr lang="en-US" smtClean="0"/>
               <a:t>‹#›</a:t>
             </a:fld>
@@ -1394,7 +2970,7 @@
     </p:spTree>
     <p:extLst>
       <p:ext uri="{BB962C8B-B14F-4D97-AF65-F5344CB8AC3E}">
-        <p14:creationId xmlns:p14="http://schemas.microsoft.com/office/powerpoint/2010/main" val="97145342"/>
+        <p14:creationId xmlns:p14="http://schemas.microsoft.com/office/powerpoint/2010/main" val="4206877225"/>
       </p:ext>
     </p:extLst>
   </p:cSld>
@@ -1441,7 +3017,7 @@
           </a:lstStyle>
           <a:p>
             <a:r>
-              <a:rPr lang="x-none" smtClean="0"/>
+              <a:rPr lang="cs-CZ" smtClean="0"/>
               <a:t>Click to edit Master title style</a:t>
             </a:r>
             <a:endParaRPr lang="en-US"/>
@@ -1507,7 +3083,7 @@
           <a:p>
             <a:pPr lvl="0"/>
             <a:r>
-              <a:rPr lang="x-none" smtClean="0"/>
+              <a:rPr lang="cs-CZ" smtClean="0"/>
               <a:t>Click to edit Master text styles</a:t>
             </a:r>
           </a:p>
@@ -1563,35 +3139,35 @@
           <a:p>
             <a:pPr lvl="0"/>
             <a:r>
-              <a:rPr lang="x-none" smtClean="0"/>
+              <a:rPr lang="cs-CZ" smtClean="0"/>
               <a:t>Click to edit Master text styles</a:t>
             </a:r>
           </a:p>
           <a:p>
             <a:pPr lvl="1"/>
             <a:r>
-              <a:rPr lang="x-none" smtClean="0"/>
+              <a:rPr lang="cs-CZ" smtClean="0"/>
               <a:t>Second level</a:t>
             </a:r>
           </a:p>
           <a:p>
             <a:pPr lvl="2"/>
             <a:r>
-              <a:rPr lang="x-none" smtClean="0"/>
+              <a:rPr lang="cs-CZ" smtClean="0"/>
               <a:t>Third level</a:t>
             </a:r>
           </a:p>
           <a:p>
             <a:pPr lvl="3"/>
             <a:r>
-              <a:rPr lang="x-none" smtClean="0"/>
+              <a:rPr lang="cs-CZ" smtClean="0"/>
               <a:t>Fourth level</a:t>
             </a:r>
           </a:p>
           <a:p>
             <a:pPr lvl="4"/>
             <a:r>
-              <a:rPr lang="x-none" smtClean="0"/>
+              <a:rPr lang="cs-CZ" smtClean="0"/>
               <a:t>Fifth level</a:t>
             </a:r>
             <a:endParaRPr lang="en-US"/>
@@ -1657,7 +3233,7 @@
           <a:p>
             <a:pPr lvl="0"/>
             <a:r>
-              <a:rPr lang="x-none" smtClean="0"/>
+              <a:rPr lang="cs-CZ" smtClean="0"/>
               <a:t>Click to edit Master text styles</a:t>
             </a:r>
           </a:p>
@@ -1713,35 +3289,35 @@
           <a:p>
             <a:pPr lvl="0"/>
             <a:r>
-              <a:rPr lang="x-none" smtClean="0"/>
+              <a:rPr lang="cs-CZ" smtClean="0"/>
               <a:t>Click to edit Master text styles</a:t>
             </a:r>
           </a:p>
           <a:p>
             <a:pPr lvl="1"/>
             <a:r>
-              <a:rPr lang="x-none" smtClean="0"/>
+              <a:rPr lang="cs-CZ" smtClean="0"/>
               <a:t>Second level</a:t>
             </a:r>
           </a:p>
           <a:p>
             <a:pPr lvl="2"/>
             <a:r>
-              <a:rPr lang="x-none" smtClean="0"/>
+              <a:rPr lang="cs-CZ" smtClean="0"/>
               <a:t>Third level</a:t>
             </a:r>
           </a:p>
           <a:p>
             <a:pPr lvl="3"/>
             <a:r>
-              <a:rPr lang="x-none" smtClean="0"/>
+              <a:rPr lang="cs-CZ" smtClean="0"/>
               <a:t>Fourth level</a:t>
             </a:r>
           </a:p>
           <a:p>
             <a:pPr lvl="4"/>
             <a:r>
-              <a:rPr lang="x-none" smtClean="0"/>
+              <a:rPr lang="cs-CZ" smtClean="0"/>
               <a:t>Fifth level</a:t>
             </a:r>
             <a:endParaRPr lang="en-US"/>
@@ -1763,9 +3339,9 @@
           <a:bodyPr/>
           <a:lstStyle/>
           <a:p>
-            <a:fld id="{9706EA46-0B60-8F42-8FBD-68103C8485FF}" type="datetimeFigureOut">
+            <a:fld id="{FDCE3AED-617F-F047-B430-24D9255B61B8}" type="datetimeFigureOut">
               <a:rPr lang="en-US" smtClean="0"/>
-              <a:t>27/11/15</a:t>
+              <a:t>04/12/15</a:t>
             </a:fld>
             <a:endParaRPr lang="en-US"/>
           </a:p>
@@ -1805,7 +3381,7 @@
           <a:bodyPr/>
           <a:lstStyle/>
           <a:p>
-            <a:fld id="{A0C38306-7F1F-374B-94D4-682635696F2D}" type="slidenum">
+            <a:fld id="{68485F41-4473-3544-8B09-F4834E350D32}" type="slidenum">
               <a:rPr lang="en-US" smtClean="0"/>
               <a:t>‹#›</a:t>
             </a:fld>
@@ -1816,7 +3392,7 @@
     </p:spTree>
     <p:extLst>
       <p:ext uri="{BB962C8B-B14F-4D97-AF65-F5344CB8AC3E}">
-        <p14:creationId xmlns:p14="http://schemas.microsoft.com/office/powerpoint/2010/main" val="999607639"/>
+        <p14:creationId xmlns:p14="http://schemas.microsoft.com/office/powerpoint/2010/main" val="3702754762"/>
       </p:ext>
     </p:extLst>
   </p:cSld>
@@ -1859,7 +3435,7 @@
           <a:lstStyle/>
           <a:p>
             <a:r>
-              <a:rPr lang="x-none" smtClean="0"/>
+              <a:rPr lang="cs-CZ" smtClean="0"/>
               <a:t>Click to edit Master title style</a:t>
             </a:r>
             <a:endParaRPr lang="en-US"/>
@@ -1881,9 +3457,9 @@
           <a:bodyPr/>
           <a:lstStyle/>
           <a:p>
-            <a:fld id="{9706EA46-0B60-8F42-8FBD-68103C8485FF}" type="datetimeFigureOut">
+            <a:fld id="{FDCE3AED-617F-F047-B430-24D9255B61B8}" type="datetimeFigureOut">
               <a:rPr lang="en-US" smtClean="0"/>
-              <a:t>27/11/15</a:t>
+              <a:t>04/12/15</a:t>
             </a:fld>
             <a:endParaRPr lang="en-US"/>
           </a:p>
@@ -1923,7 +3499,7 @@
           <a:bodyPr/>
           <a:lstStyle/>
           <a:p>
-            <a:fld id="{A0C38306-7F1F-374B-94D4-682635696F2D}" type="slidenum">
+            <a:fld id="{68485F41-4473-3544-8B09-F4834E350D32}" type="slidenum">
               <a:rPr lang="en-US" smtClean="0"/>
               <a:t>‹#›</a:t>
             </a:fld>
@@ -1934,7 +3510,7 @@
     </p:spTree>
     <p:extLst>
       <p:ext uri="{BB962C8B-B14F-4D97-AF65-F5344CB8AC3E}">
-        <p14:creationId xmlns:p14="http://schemas.microsoft.com/office/powerpoint/2010/main" val="461241270"/>
+        <p14:creationId xmlns:p14="http://schemas.microsoft.com/office/powerpoint/2010/main" val="115435610"/>
       </p:ext>
     </p:extLst>
   </p:cSld>
@@ -1976,9 +3552,9 @@
           <a:bodyPr/>
           <a:lstStyle/>
           <a:p>
-            <a:fld id="{9706EA46-0B60-8F42-8FBD-68103C8485FF}" type="datetimeFigureOut">
+            <a:fld id="{FDCE3AED-617F-F047-B430-24D9255B61B8}" type="datetimeFigureOut">
               <a:rPr lang="en-US" smtClean="0"/>
-              <a:t>27/11/15</a:t>
+              <a:t>04/12/15</a:t>
             </a:fld>
             <a:endParaRPr lang="en-US"/>
           </a:p>
@@ -2018,7 +3594,7 @@
           <a:bodyPr/>
           <a:lstStyle/>
           <a:p>
-            <a:fld id="{A0C38306-7F1F-374B-94D4-682635696F2D}" type="slidenum">
+            <a:fld id="{68485F41-4473-3544-8B09-F4834E350D32}" type="slidenum">
               <a:rPr lang="en-US" smtClean="0"/>
               <a:t>‹#›</a:t>
             </a:fld>
@@ -2029,7 +3605,7 @@
     </p:spTree>
     <p:extLst>
       <p:ext uri="{BB962C8B-B14F-4D97-AF65-F5344CB8AC3E}">
-        <p14:creationId xmlns:p14="http://schemas.microsoft.com/office/powerpoint/2010/main" val="2595611534"/>
+        <p14:creationId xmlns:p14="http://schemas.microsoft.com/office/powerpoint/2010/main" val="1534094692"/>
       </p:ext>
     </p:extLst>
   </p:cSld>
@@ -2081,7 +3657,7 @@
           </a:lstStyle>
           <a:p>
             <a:r>
-              <a:rPr lang="x-none" smtClean="0"/>
+              <a:rPr lang="cs-CZ" smtClean="0"/>
               <a:t>Click to edit Master title style</a:t>
             </a:r>
             <a:endParaRPr lang="en-US"/>
@@ -2138,35 +3714,35 @@
           <a:p>
             <a:pPr lvl="0"/>
             <a:r>
-              <a:rPr lang="x-none" smtClean="0"/>
+              <a:rPr lang="cs-CZ" smtClean="0"/>
               <a:t>Click to edit Master text styles</a:t>
             </a:r>
           </a:p>
           <a:p>
             <a:pPr lvl="1"/>
             <a:r>
-              <a:rPr lang="x-none" smtClean="0"/>
+              <a:rPr lang="cs-CZ" smtClean="0"/>
               <a:t>Second level</a:t>
             </a:r>
           </a:p>
           <a:p>
             <a:pPr lvl="2"/>
             <a:r>
-              <a:rPr lang="x-none" smtClean="0"/>
+              <a:rPr lang="cs-CZ" smtClean="0"/>
               <a:t>Third level</a:t>
             </a:r>
           </a:p>
           <a:p>
             <a:pPr lvl="3"/>
             <a:r>
-              <a:rPr lang="x-none" smtClean="0"/>
+              <a:rPr lang="cs-CZ" smtClean="0"/>
               <a:t>Fourth level</a:t>
             </a:r>
           </a:p>
           <a:p>
             <a:pPr lvl="4"/>
             <a:r>
-              <a:rPr lang="x-none" smtClean="0"/>
+              <a:rPr lang="cs-CZ" smtClean="0"/>
               <a:t>Fifth level</a:t>
             </a:r>
             <a:endParaRPr lang="en-US"/>
@@ -2232,7 +3808,7 @@
           <a:p>
             <a:pPr lvl="0"/>
             <a:r>
-              <a:rPr lang="x-none" smtClean="0"/>
+              <a:rPr lang="cs-CZ" smtClean="0"/>
               <a:t>Click to edit Master text styles</a:t>
             </a:r>
           </a:p>
@@ -2253,9 +3829,9 @@
           <a:bodyPr/>
           <a:lstStyle/>
           <a:p>
-            <a:fld id="{9706EA46-0B60-8F42-8FBD-68103C8485FF}" type="datetimeFigureOut">
+            <a:fld id="{FDCE3AED-617F-F047-B430-24D9255B61B8}" type="datetimeFigureOut">
               <a:rPr lang="en-US" smtClean="0"/>
-              <a:t>27/11/15</a:t>
+              <a:t>04/12/15</a:t>
             </a:fld>
             <a:endParaRPr lang="en-US"/>
           </a:p>
@@ -2295,7 +3871,7 @@
           <a:bodyPr/>
           <a:lstStyle/>
           <a:p>
-            <a:fld id="{A0C38306-7F1F-374B-94D4-682635696F2D}" type="slidenum">
+            <a:fld id="{68485F41-4473-3544-8B09-F4834E350D32}" type="slidenum">
               <a:rPr lang="en-US" smtClean="0"/>
               <a:t>‹#›</a:t>
             </a:fld>
@@ -2306,7 +3882,7 @@
     </p:spTree>
     <p:extLst>
       <p:ext uri="{BB962C8B-B14F-4D97-AF65-F5344CB8AC3E}">
-        <p14:creationId xmlns:p14="http://schemas.microsoft.com/office/powerpoint/2010/main" val="942605094"/>
+        <p14:creationId xmlns:p14="http://schemas.microsoft.com/office/powerpoint/2010/main" val="2845491621"/>
       </p:ext>
     </p:extLst>
   </p:cSld>
@@ -2358,7 +3934,7 @@
           </a:lstStyle>
           <a:p>
             <a:r>
-              <a:rPr lang="x-none" smtClean="0"/>
+              <a:rPr lang="cs-CZ" smtClean="0"/>
               <a:t>Click to edit Master title style</a:t>
             </a:r>
             <a:endParaRPr lang="en-US"/>
@@ -2485,7 +4061,7 @@
           <a:p>
             <a:pPr lvl="0"/>
             <a:r>
-              <a:rPr lang="x-none" smtClean="0"/>
+              <a:rPr lang="cs-CZ" smtClean="0"/>
               <a:t>Click to edit Master text styles</a:t>
             </a:r>
           </a:p>
@@ -2506,9 +4082,9 @@
           <a:bodyPr/>
           <a:lstStyle/>
           <a:p>
-            <a:fld id="{9706EA46-0B60-8F42-8FBD-68103C8485FF}" type="datetimeFigureOut">
+            <a:fld id="{FDCE3AED-617F-F047-B430-24D9255B61B8}" type="datetimeFigureOut">
               <a:rPr lang="en-US" smtClean="0"/>
-              <a:t>27/11/15</a:t>
+              <a:t>04/12/15</a:t>
             </a:fld>
             <a:endParaRPr lang="en-US"/>
           </a:p>
@@ -2548,7 +4124,7 @@
           <a:bodyPr/>
           <a:lstStyle/>
           <a:p>
-            <a:fld id="{A0C38306-7F1F-374B-94D4-682635696F2D}" type="slidenum">
+            <a:fld id="{68485F41-4473-3544-8B09-F4834E350D32}" type="slidenum">
               <a:rPr lang="en-US" smtClean="0"/>
               <a:t>‹#›</a:t>
             </a:fld>
@@ -2559,7 +4135,7 @@
     </p:spTree>
     <p:extLst>
       <p:ext uri="{BB962C8B-B14F-4D97-AF65-F5344CB8AC3E}">
-        <p14:creationId xmlns:p14="http://schemas.microsoft.com/office/powerpoint/2010/main" val="715513941"/>
+        <p14:creationId xmlns:p14="http://schemas.microsoft.com/office/powerpoint/2010/main" val="2248459285"/>
       </p:ext>
     </p:extLst>
   </p:cSld>
@@ -2719,9 +4295,9 @@
             </a:lvl1pPr>
           </a:lstStyle>
           <a:p>
-            <a:fld id="{9706EA46-0B60-8F42-8FBD-68103C8485FF}" type="datetimeFigureOut">
+            <a:fld id="{FDCE3AED-617F-F047-B430-24D9255B61B8}" type="datetimeFigureOut">
               <a:rPr lang="en-US" smtClean="0"/>
-              <a:t>27/11/15</a:t>
+              <a:t>04/12/15</a:t>
             </a:fld>
             <a:endParaRPr lang="en-US"/>
           </a:p>
@@ -2797,7 +4373,7 @@
             </a:lvl1pPr>
           </a:lstStyle>
           <a:p>
-            <a:fld id="{A0C38306-7F1F-374B-94D4-682635696F2D}" type="slidenum">
+            <a:fld id="{68485F41-4473-3544-8B09-F4834E350D32}" type="slidenum">
               <a:rPr lang="en-US" smtClean="0"/>
               <a:t>‹#›</a:t>
             </a:fld>
@@ -2808,7 +4384,7 @@
     </p:spTree>
     <p:extLst>
       <p:ext uri="{BB962C8B-B14F-4D97-AF65-F5344CB8AC3E}">
-        <p14:creationId xmlns:p14="http://schemas.microsoft.com/office/powerpoint/2010/main" val="393029953"/>
+        <p14:creationId xmlns:p14="http://schemas.microsoft.com/office/powerpoint/2010/main" val="4199801874"/>
       </p:ext>
     </p:extLst>
   </p:cSld>
@@ -3096,19 +4672,50 @@
           <a:chExt cx="0" cy="0"/>
         </a:xfrm>
       </p:grpSpPr>
-      <p:sp>
-        <p:nvSpPr>
-          <p:cNvPr id="2" name="Title 1"/>
-          <p:cNvSpPr>
-            <a:spLocks noGrp="1"/>
-          </p:cNvSpPr>
-          <p:nvPr>
-            <p:ph type="ctrTitle"/>
-          </p:nvPr>
-        </p:nvSpPr>
+      <p:pic>
+        <p:nvPicPr>
+          <p:cNvPr id="4" name="Picture 3" descr="big-data-image.jpg"/>
+          <p:cNvPicPr>
+            <a:picLocks noChangeAspect="1"/>
+          </p:cNvPicPr>
+          <p:nvPr/>
+        </p:nvPicPr>
+        <p:blipFill>
+          <a:blip r:embed="rId3">
+            <a:alphaModFix amt="10000"/>
+            <a:extLst>
+              <a:ext uri="{28A0092B-C50C-407E-A947-70E740481C1C}">
+                <a14:useLocalDpi xmlns:a14="http://schemas.microsoft.com/office/drawing/2010/main" val="0"/>
+              </a:ext>
+            </a:extLst>
+          </a:blip>
+          <a:stretch>
+            <a:fillRect/>
+          </a:stretch>
+        </p:blipFill>
         <p:spPr>
           <a:xfrm>
-            <a:off x="0" y="2130425"/>
+            <a:off x="0" y="-2014814"/>
+            <a:ext cx="9144000" cy="9134920"/>
+          </a:xfrm>
+          <a:prstGeom prst="rect">
+            <a:avLst/>
+          </a:prstGeom>
+        </p:spPr>
+      </p:pic>
+      <p:sp>
+        <p:nvSpPr>
+          <p:cNvPr id="2" name="Title 1"/>
+          <p:cNvSpPr>
+            <a:spLocks noGrp="1"/>
+          </p:cNvSpPr>
+          <p:nvPr>
+            <p:ph type="ctrTitle"/>
+          </p:nvPr>
+        </p:nvSpPr>
+        <p:spPr>
+          <a:xfrm>
+            <a:off x="0" y="765146"/>
             <a:ext cx="9144000" cy="1470025"/>
           </a:xfrm>
         </p:spPr>
@@ -3119,15 +4726,10 @@
           <a:lstStyle/>
           <a:p>
             <a:r>
-              <a:rPr lang="en-US" sz="3600" b="1" dirty="0" smtClean="0">
-                <a:solidFill>
-                  <a:srgbClr val="262626"/>
-                </a:solidFill>
-                <a:latin typeface="HelveticaNeue"/>
-              </a:rPr>
+              <a:rPr lang="en-US" dirty="0" smtClean="0"/>
               <a:t>Stream analysis of incoming events using different data analysis methods</a:t>
             </a:r>
-            <a:endParaRPr lang="en-US" sz="3600" dirty="0"/>
+            <a:endParaRPr lang="en-US" dirty="0"/>
           </a:p>
         </p:txBody>
       </p:sp>
@@ -3143,46 +4745,113 @@
         </p:nvSpPr>
         <p:spPr>
           <a:xfrm>
-            <a:off x="1371600" y="3600450"/>
-            <a:ext cx="6400800" cy="1303735"/>
+            <a:off x="1371600" y="2235171"/>
+            <a:ext cx="6400800" cy="1098431"/>
           </a:xfrm>
         </p:spPr>
         <p:txBody>
-          <a:bodyPr/>
+          <a:bodyPr>
+            <a:normAutofit/>
+          </a:bodyPr>
           <a:lstStyle/>
           <a:p>
             <a:r>
-              <a:rPr lang="en-US" dirty="0" smtClean="0"/>
+              <a:rPr lang="en-US" sz="2800" dirty="0" smtClean="0">
+                <a:solidFill>
+                  <a:schemeClr val="tx1"/>
+                </a:solidFill>
+              </a:rPr>
               <a:t>Matúš Cimerman</a:t>
             </a:r>
           </a:p>
           <a:p>
             <a:r>
-              <a:rPr lang="en-US" dirty="0" err="1" smtClean="0"/>
+              <a:rPr lang="en-US" sz="2800" dirty="0" smtClean="0">
+                <a:solidFill>
+                  <a:schemeClr val="tx1"/>
+                </a:solidFill>
+              </a:rPr>
+              <a:t>Supervisor: </a:t>
+            </a:r>
+            <a:r>
+              <a:rPr lang="en-US" sz="2800" dirty="0" err="1" smtClean="0">
+                <a:solidFill>
+                  <a:schemeClr val="tx1"/>
+                </a:solidFill>
+              </a:rPr>
               <a:t>Jakub</a:t>
             </a:r>
             <a:r>
-              <a:rPr lang="en-US" dirty="0" smtClean="0"/>
-              <a:t> </a:t>
-            </a:r>
-            <a:r>
-              <a:rPr lang="en-US" dirty="0" err="1" smtClean="0"/>
+              <a:rPr lang="en-US" sz="2800" dirty="0" smtClean="0">
+                <a:solidFill>
+                  <a:schemeClr val="tx1"/>
+                </a:solidFill>
+              </a:rPr>
+              <a:t> </a:t>
+            </a:r>
+            <a:r>
+              <a:rPr lang="en-US" sz="2800" dirty="0" err="1" smtClean="0">
+                <a:solidFill>
+                  <a:schemeClr val="tx1"/>
+                </a:solidFill>
+              </a:rPr>
               <a:t>Ševcech</a:t>
             </a:r>
-            <a:endParaRPr lang="en-US" dirty="0"/>
-          </a:p>
-        </p:txBody>
-      </p:sp>
+            <a:endParaRPr lang="en-US" sz="2800" dirty="0">
+              <a:solidFill>
+                <a:schemeClr val="tx1"/>
+              </a:solidFill>
+            </a:endParaRPr>
+          </a:p>
+        </p:txBody>
+      </p:sp>
+      <p:pic>
+        <p:nvPicPr>
+          <p:cNvPr id="7" name="Picture 6" descr="ontozur - uvodny slajd.png"/>
+          <p:cNvPicPr>
+            <a:picLocks noChangeAspect="1"/>
+          </p:cNvPicPr>
+          <p:nvPr/>
+        </p:nvPicPr>
+        <p:blipFill>
+          <a:blip r:embed="rId4">
+            <a:extLst>
+              <a:ext uri="{28A0092B-C50C-407E-A947-70E740481C1C}">
+                <a14:useLocalDpi xmlns:a14="http://schemas.microsoft.com/office/drawing/2010/main" val="0"/>
+              </a:ext>
+            </a:extLst>
+          </a:blip>
+          <a:stretch>
+            <a:fillRect/>
+          </a:stretch>
+        </p:blipFill>
+        <p:spPr>
+          <a:xfrm>
+            <a:off x="0" y="3869029"/>
+            <a:ext cx="9144000" cy="2493818"/>
+          </a:xfrm>
+          <a:prstGeom prst="rect">
+            <a:avLst/>
+          </a:prstGeom>
+        </p:spPr>
+      </p:pic>
     </p:spTree>
     <p:extLst>
       <p:ext uri="{BB962C8B-B14F-4D97-AF65-F5344CB8AC3E}">
-        <p14:creationId xmlns:p14="http://schemas.microsoft.com/office/powerpoint/2010/main" val="1318936260"/>
+        <p14:creationId xmlns:p14="http://schemas.microsoft.com/office/powerpoint/2010/main" val="3025776851"/>
       </p:ext>
     </p:extLst>
   </p:cSld>
   <p:clrMapOvr>
     <a:masterClrMapping/>
   </p:clrMapOvr>
+  <p:timing>
+    <p:tnLst>
+      <p:par>
+        <p:cTn xmlns:p14="http://schemas.microsoft.com/office/powerpoint/2010/main" id="1" dur="indefinite" restart="never" nodeType="tmRoot"/>
+      </p:par>
+    </p:tnLst>
+  </p:timing>
 </p:sld>
 </file>
 
@@ -3203,6 +4872,37 @@
           <a:chExt cx="0" cy="0"/>
         </a:xfrm>
       </p:grpSpPr>
+      <p:pic>
+        <p:nvPicPr>
+          <p:cNvPr id="4" name="Picture 3" descr="big-data-image.jpg"/>
+          <p:cNvPicPr>
+            <a:picLocks noChangeAspect="1"/>
+          </p:cNvPicPr>
+          <p:nvPr/>
+        </p:nvPicPr>
+        <p:blipFill>
+          <a:blip r:embed="rId3">
+            <a:alphaModFix amt="10000"/>
+            <a:extLst>
+              <a:ext uri="{28A0092B-C50C-407E-A947-70E740481C1C}">
+                <a14:useLocalDpi xmlns:a14="http://schemas.microsoft.com/office/drawing/2010/main" val="0"/>
+              </a:ext>
+            </a:extLst>
+          </a:blip>
+          <a:stretch>
+            <a:fillRect/>
+          </a:stretch>
+        </p:blipFill>
+        <p:spPr>
+          <a:xfrm>
+            <a:off x="0" y="-2014814"/>
+            <a:ext cx="9144000" cy="9134920"/>
+          </a:xfrm>
+          <a:prstGeom prst="rect">
+            <a:avLst/>
+          </a:prstGeom>
+        </p:spPr>
+      </p:pic>
       <p:sp>
         <p:nvSpPr>
           <p:cNvPr id="2" name="Title 1"/>
@@ -3210,47 +4910,270 @@
             <a:spLocks noGrp="1"/>
           </p:cNvSpPr>
           <p:nvPr>
-            <p:ph type="title"/>
-          </p:nvPr>
-        </p:nvSpPr>
-        <p:spPr/>
-        <p:txBody>
-          <a:bodyPr/>
+            <p:ph type="ctrTitle"/>
+          </p:nvPr>
+        </p:nvSpPr>
+        <p:spPr>
+          <a:xfrm>
+            <a:off x="0" y="32863"/>
+            <a:ext cx="9144000" cy="1470025"/>
+          </a:xfrm>
+        </p:spPr>
+        <p:txBody>
+          <a:bodyPr>
+            <a:normAutofit fontScale="90000"/>
+          </a:bodyPr>
           <a:lstStyle/>
           <a:p>
-            <a:endParaRPr lang="en-US"/>
-          </a:p>
-        </p:txBody>
-      </p:sp>
-      <p:sp>
-        <p:nvSpPr>
-          <p:cNvPr id="3" name="Content Placeholder 2"/>
-          <p:cNvSpPr>
-            <a:spLocks noGrp="1"/>
-          </p:cNvSpPr>
-          <p:nvPr>
-            <p:ph idx="1"/>
-          </p:nvPr>
-        </p:nvSpPr>
-        <p:spPr/>
-        <p:txBody>
-          <a:bodyPr/>
+            <a:r>
+              <a:rPr lang="en-US" dirty="0" smtClean="0"/>
+              <a:t>We </a:t>
+            </a:r>
+            <a:r>
+              <a:rPr lang="en-US" dirty="0" smtClean="0"/>
+              <a:t>want propose a set of tools which helps interpret advanced analysis models</a:t>
+            </a:r>
+            <a:endParaRPr lang="en-US" dirty="0"/>
+          </a:p>
+        </p:txBody>
+      </p:sp>
+      <p:sp>
+        <p:nvSpPr>
+          <p:cNvPr id="3" name="TextBox 2"/>
+          <p:cNvSpPr txBox="1"/>
+          <p:nvPr/>
+        </p:nvSpPr>
+        <p:spPr>
+          <a:xfrm>
+            <a:off x="263137" y="2048103"/>
+            <a:ext cx="8317407" cy="3416320"/>
+          </a:xfrm>
+          <a:prstGeom prst="rect">
+            <a:avLst/>
+          </a:prstGeom>
+          <a:noFill/>
+        </p:spPr>
+        <p:txBody>
+          <a:bodyPr wrap="square" rtlCol="0">
+            <a:spAutoFit/>
+          </a:bodyPr>
           <a:lstStyle/>
           <a:p>
-            <a:endParaRPr lang="en-US"/>
+            <a:pPr marL="571500" indent="-571500">
+              <a:buFont typeface="Arial"/>
+              <a:buChar char="•"/>
+            </a:pPr>
+            <a:r>
+              <a:rPr lang="en-US" sz="3600" dirty="0" smtClean="0"/>
+              <a:t>Usable by domain experts</a:t>
+            </a:r>
+          </a:p>
+          <a:p>
+            <a:pPr marL="571500" indent="-571500">
+              <a:buFont typeface="Arial"/>
+              <a:buChar char="•"/>
+            </a:pPr>
+            <a:r>
+              <a:rPr lang="en-US" sz="3600" dirty="0" smtClean="0"/>
+              <a:t>Do not need to have detail knowledge of models</a:t>
+            </a:r>
+          </a:p>
+          <a:p>
+            <a:pPr marL="571500" indent="-571500">
+              <a:buFont typeface="Arial"/>
+              <a:buChar char="•"/>
+            </a:pPr>
+            <a:r>
+              <a:rPr lang="en-US" sz="3600" dirty="0" smtClean="0"/>
+              <a:t>Analogy in static data collection analytics models</a:t>
+            </a:r>
+          </a:p>
+          <a:p>
+            <a:pPr marL="571500" indent="-571500">
+              <a:buFont typeface="Arial"/>
+              <a:buChar char="•"/>
+            </a:pPr>
+            <a:endParaRPr lang="en-US" sz="3600" dirty="0"/>
           </a:p>
         </p:txBody>
       </p:sp>
     </p:spTree>
     <p:extLst>
       <p:ext uri="{BB962C8B-B14F-4D97-AF65-F5344CB8AC3E}">
-        <p14:creationId xmlns:p14="http://schemas.microsoft.com/office/powerpoint/2010/main" val="22322493"/>
+        <p14:creationId xmlns:p14="http://schemas.microsoft.com/office/powerpoint/2010/main" val="1462465693"/>
       </p:ext>
     </p:extLst>
   </p:cSld>
   <p:clrMapOvr>
     <a:masterClrMapping/>
   </p:clrMapOvr>
+  <p:timing>
+    <p:tnLst>
+      <p:par>
+        <p:cTn xmlns:p14="http://schemas.microsoft.com/office/powerpoint/2010/main" id="1" dur="indefinite" restart="never" nodeType="tmRoot"/>
+      </p:par>
+    </p:tnLst>
+  </p:timing>
+</p:sld>
+</file>
+
+<file path=ppt/slides/slide3.xml><?xml version="1.0" encoding="utf-8"?>
+<p:sld xmlns:a="http://schemas.openxmlformats.org/drawingml/2006/main" xmlns:r="http://schemas.openxmlformats.org/officeDocument/2006/relationships" xmlns:p="http://schemas.openxmlformats.org/presentationml/2006/main">
+  <p:cSld>
+    <p:spTree>
+      <p:nvGrpSpPr>
+        <p:cNvPr id="1" name=""/>
+        <p:cNvGrpSpPr/>
+        <p:nvPr/>
+      </p:nvGrpSpPr>
+      <p:grpSpPr>
+        <a:xfrm>
+          <a:off x="0" y="0"/>
+          <a:ext cx="0" cy="0"/>
+          <a:chOff x="0" y="0"/>
+          <a:chExt cx="0" cy="0"/>
+        </a:xfrm>
+      </p:grpSpPr>
+      <p:pic>
+        <p:nvPicPr>
+          <p:cNvPr id="4" name="Picture 3" descr="big-data-image.jpg"/>
+          <p:cNvPicPr>
+            <a:picLocks noChangeAspect="1"/>
+          </p:cNvPicPr>
+          <p:nvPr/>
+        </p:nvPicPr>
+        <p:blipFill>
+          <a:blip r:embed="rId3">
+            <a:alphaModFix amt="10000"/>
+            <a:extLst>
+              <a:ext uri="{28A0092B-C50C-407E-A947-70E740481C1C}">
+                <a14:useLocalDpi xmlns:a14="http://schemas.microsoft.com/office/drawing/2010/main" val="0"/>
+              </a:ext>
+            </a:extLst>
+          </a:blip>
+          <a:stretch>
+            <a:fillRect/>
+          </a:stretch>
+        </p:blipFill>
+        <p:spPr>
+          <a:xfrm>
+            <a:off x="0" y="-2014814"/>
+            <a:ext cx="9144000" cy="9134920"/>
+          </a:xfrm>
+          <a:prstGeom prst="rect">
+            <a:avLst/>
+          </a:prstGeom>
+        </p:spPr>
+      </p:pic>
+      <p:sp>
+        <p:nvSpPr>
+          <p:cNvPr id="2" name="Title 1"/>
+          <p:cNvSpPr>
+            <a:spLocks noGrp="1"/>
+          </p:cNvSpPr>
+          <p:nvPr>
+            <p:ph type="ctrTitle"/>
+          </p:nvPr>
+        </p:nvSpPr>
+        <p:spPr>
+          <a:xfrm>
+            <a:off x="0" y="32863"/>
+            <a:ext cx="9144000" cy="2099099"/>
+          </a:xfrm>
+        </p:spPr>
+        <p:txBody>
+          <a:bodyPr>
+            <a:normAutofit fontScale="90000"/>
+          </a:bodyPr>
+          <a:lstStyle/>
+          <a:p>
+            <a:r>
+              <a:rPr lang="en-US" dirty="0" smtClean="0"/>
+              <a:t>Propose a </a:t>
+            </a:r>
+            <a:r>
+              <a:rPr lang="en-US" dirty="0"/>
+              <a:t>data stream </a:t>
+            </a:r>
+            <a:r>
+              <a:rPr lang="en-US" dirty="0" smtClean="0"/>
+              <a:t>analysis method(s) which is focused to simplicity and interpretability of results for user.</a:t>
+            </a:r>
+            <a:endParaRPr lang="en-US" dirty="0"/>
+          </a:p>
+        </p:txBody>
+      </p:sp>
+      <p:sp>
+        <p:nvSpPr>
+          <p:cNvPr id="3" name="TextBox 2"/>
+          <p:cNvSpPr txBox="1"/>
+          <p:nvPr/>
+        </p:nvSpPr>
+        <p:spPr>
+          <a:xfrm>
+            <a:off x="263137" y="2501712"/>
+            <a:ext cx="8317407" cy="3416320"/>
+          </a:xfrm>
+          <a:prstGeom prst="rect">
+            <a:avLst/>
+          </a:prstGeom>
+          <a:noFill/>
+        </p:spPr>
+        <p:txBody>
+          <a:bodyPr wrap="square" rtlCol="0">
+            <a:spAutoFit/>
+          </a:bodyPr>
+          <a:lstStyle/>
+          <a:p>
+            <a:pPr marL="571500" indent="-571500">
+              <a:buFont typeface="Arial"/>
+              <a:buChar char="•"/>
+            </a:pPr>
+            <a:r>
+              <a:rPr lang="en-US" sz="3600" dirty="0" smtClean="0"/>
+              <a:t>Users do not have detailed knowledge of model</a:t>
+            </a:r>
+          </a:p>
+          <a:p>
+            <a:pPr marL="571500" indent="-571500">
+              <a:buFont typeface="Arial"/>
+              <a:buChar char="•"/>
+            </a:pPr>
+            <a:r>
+              <a:rPr lang="en-US" sz="3600" dirty="0" smtClean="0"/>
+              <a:t>Choose correct (valid, accurate, good enough?) analytical model</a:t>
+            </a:r>
+          </a:p>
+          <a:p>
+            <a:pPr marL="571500" indent="-571500">
+              <a:buFont typeface="Arial"/>
+              <a:buChar char="•"/>
+            </a:pPr>
+            <a:r>
+              <a:rPr lang="en-US" sz="3600" dirty="0" smtClean="0"/>
+              <a:t>Unbounded (near) real-time processing and analysis</a:t>
+            </a:r>
+            <a:endParaRPr lang="en-US" sz="3600" dirty="0"/>
+          </a:p>
+        </p:txBody>
+      </p:sp>
+    </p:spTree>
+    <p:extLst>
+      <p:ext uri="{BB962C8B-B14F-4D97-AF65-F5344CB8AC3E}">
+        <p14:creationId xmlns:p14="http://schemas.microsoft.com/office/powerpoint/2010/main" val="2474721924"/>
+      </p:ext>
+    </p:extLst>
+  </p:cSld>
+  <p:clrMapOvr>
+    <a:masterClrMapping/>
+  </p:clrMapOvr>
+  <p:timing>
+    <p:tnLst>
+      <p:par>
+        <p:cTn xmlns:p14="http://schemas.microsoft.com/office/powerpoint/2010/main" id="1" dur="indefinite" restart="never" nodeType="tmRoot"/>
+      </p:par>
+    </p:tnLst>
+  </p:timing>
 </p:sld>
 </file>
 
@@ -3572,4 +5495,324 @@
   </a:objectDefaults>
   <a:extraClrSchemeLst/>
 </a:theme>
+</file>
+
+<file path=ppt/theme/theme2.xml><?xml version="1.0" encoding="utf-8"?>
+<a:theme xmlns:a="http://schemas.openxmlformats.org/drawingml/2006/main" name="Office Theme">
+  <a:themeElements>
+    <a:clrScheme name="Office">
+      <a:dk1>
+        <a:sysClr val="windowText" lastClr="000000"/>
+      </a:dk1>
+      <a:lt1>
+        <a:sysClr val="window" lastClr="FFFFFF"/>
+      </a:lt1>
+      <a:dk2>
+        <a:srgbClr val="1F497D"/>
+      </a:dk2>
+      <a:lt2>
+        <a:srgbClr val="EEECE1"/>
+      </a:lt2>
+      <a:accent1>
+        <a:srgbClr val="4F81BD"/>
+      </a:accent1>
+      <a:accent2>
+        <a:srgbClr val="C0504D"/>
+      </a:accent2>
+      <a:accent3>
+        <a:srgbClr val="9BBB59"/>
+      </a:accent3>
+      <a:accent4>
+        <a:srgbClr val="8064A2"/>
+      </a:accent4>
+      <a:accent5>
+        <a:srgbClr val="4BACC6"/>
+      </a:accent5>
+      <a:accent6>
+        <a:srgbClr val="F79646"/>
+      </a:accent6>
+      <a:hlink>
+        <a:srgbClr val="0000FF"/>
+      </a:hlink>
+      <a:folHlink>
+        <a:srgbClr val="800080"/>
+      </a:folHlink>
+    </a:clrScheme>
+    <a:fontScheme name="Office">
+      <a:majorFont>
+        <a:latin typeface="Calibri"/>
+        <a:ea typeface=""/>
+        <a:cs typeface=""/>
+        <a:font script="Jpan" typeface="ＭＳ Ｐゴシック"/>
+        <a:font script="Hang" typeface="맑은 고딕"/>
+        <a:font script="Hans" typeface="宋体"/>
+        <a:font script="Hant" typeface="新細明體"/>
+        <a:font script="Arab" typeface="Times New Roman"/>
+        <a:font script="Hebr" typeface="Times New Roman"/>
+        <a:font script="Thai" typeface="Angsana New"/>
+        <a:font script="Ethi" typeface="Nyala"/>
+        <a:font script="Beng" typeface="Vrinda"/>
+        <a:font script="Gujr" typeface="Shruti"/>
+        <a:font script="Khmr" typeface="MoolBoran"/>
+        <a:font script="Knda" typeface="Tunga"/>
+        <a:font script="Guru" typeface="Raavi"/>
+        <a:font script="Cans" typeface="Euphemia"/>
+        <a:font script="Cher" typeface="Plantagenet Cherokee"/>
+        <a:font script="Yiii" typeface="Microsoft Yi Baiti"/>
+        <a:font script="Tibt" typeface="Microsoft Himalaya"/>
+        <a:font script="Thaa" typeface="MV Boli"/>
+        <a:font script="Deva" typeface="Mangal"/>
+        <a:font script="Telu" typeface="Gautami"/>
+        <a:font script="Taml" typeface="Latha"/>
+        <a:font script="Syrc" typeface="Estrangelo Edessa"/>
+        <a:font script="Orya" typeface="Kalinga"/>
+        <a:font script="Mlym" typeface="Kartika"/>
+        <a:font script="Laoo" typeface="DokChampa"/>
+        <a:font script="Sinh" typeface="Iskoola Pota"/>
+        <a:font script="Mong" typeface="Mongolian Baiti"/>
+        <a:font script="Viet" typeface="Times New Roman"/>
+        <a:font script="Uigh" typeface="Microsoft Uighur"/>
+        <a:font script="Geor" typeface="Sylfaen"/>
+      </a:majorFont>
+      <a:minorFont>
+        <a:latin typeface="Calibri"/>
+        <a:ea typeface=""/>
+        <a:cs typeface=""/>
+        <a:font script="Jpan" typeface="ＭＳ Ｐゴシック"/>
+        <a:font script="Hang" typeface="맑은 고딕"/>
+        <a:font script="Hans" typeface="宋体"/>
+        <a:font script="Hant" typeface="新細明體"/>
+        <a:font script="Arab" typeface="Arial"/>
+        <a:font script="Hebr" typeface="Arial"/>
+        <a:font script="Thai" typeface="Cordia New"/>
+        <a:font script="Ethi" typeface="Nyala"/>
+        <a:font script="Beng" typeface="Vrinda"/>
+        <a:font script="Gujr" typeface="Shruti"/>
+        <a:font script="Khmr" typeface="DaunPenh"/>
+        <a:font script="Knda" typeface="Tunga"/>
+        <a:font script="Guru" typeface="Raavi"/>
+        <a:font script="Cans" typeface="Euphemia"/>
+        <a:font script="Cher" typeface="Plantagenet Cherokee"/>
+        <a:font script="Yiii" typeface="Microsoft Yi Baiti"/>
+        <a:font script="Tibt" typeface="Microsoft Himalaya"/>
+        <a:font script="Thaa" typeface="MV Boli"/>
+        <a:font script="Deva" typeface="Mangal"/>
+        <a:font script="Telu" typeface="Gautami"/>
+        <a:font script="Taml" typeface="Latha"/>
+        <a:font script="Syrc" typeface="Estrangelo Edessa"/>
+        <a:font script="Orya" typeface="Kalinga"/>
+        <a:font script="Mlym" typeface="Kartika"/>
+        <a:font script="Laoo" typeface="DokChampa"/>
+        <a:font script="Sinh" typeface="Iskoola Pota"/>
+        <a:font script="Mong" typeface="Mongolian Baiti"/>
+        <a:font script="Viet" typeface="Arial"/>
+        <a:font script="Uigh" typeface="Microsoft Uighur"/>
+        <a:font script="Geor" typeface="Sylfaen"/>
+      </a:minorFont>
+    </a:fontScheme>
+    <a:fmtScheme name="Office">
+      <a:fillStyleLst>
+        <a:solidFill>
+          <a:schemeClr val="phClr"/>
+        </a:solidFill>
+        <a:gradFill rotWithShape="1">
+          <a:gsLst>
+            <a:gs pos="0">
+              <a:schemeClr val="phClr">
+                <a:tint val="50000"/>
+                <a:satMod val="300000"/>
+              </a:schemeClr>
+            </a:gs>
+            <a:gs pos="35000">
+              <a:schemeClr val="phClr">
+                <a:tint val="37000"/>
+                <a:satMod val="300000"/>
+              </a:schemeClr>
+            </a:gs>
+            <a:gs pos="100000">
+              <a:schemeClr val="phClr">
+                <a:tint val="15000"/>
+                <a:satMod val="350000"/>
+              </a:schemeClr>
+            </a:gs>
+          </a:gsLst>
+          <a:lin ang="16200000" scaled="1"/>
+        </a:gradFill>
+        <a:gradFill rotWithShape="1">
+          <a:gsLst>
+            <a:gs pos="0">
+              <a:schemeClr val="phClr">
+                <a:tint val="100000"/>
+                <a:shade val="100000"/>
+                <a:satMod val="130000"/>
+              </a:schemeClr>
+            </a:gs>
+            <a:gs pos="100000">
+              <a:schemeClr val="phClr">
+                <a:tint val="50000"/>
+                <a:shade val="100000"/>
+                <a:satMod val="350000"/>
+              </a:schemeClr>
+            </a:gs>
+          </a:gsLst>
+          <a:lin ang="16200000" scaled="0"/>
+        </a:gradFill>
+      </a:fillStyleLst>
+      <a:lnStyleLst>
+        <a:ln w="9525" cap="flat" cmpd="sng" algn="ctr">
+          <a:solidFill>
+            <a:schemeClr val="phClr">
+              <a:shade val="95000"/>
+              <a:satMod val="105000"/>
+            </a:schemeClr>
+          </a:solidFill>
+          <a:prstDash val="solid"/>
+        </a:ln>
+        <a:ln w="25400" cap="flat" cmpd="sng" algn="ctr">
+          <a:solidFill>
+            <a:schemeClr val="phClr"/>
+          </a:solidFill>
+          <a:prstDash val="solid"/>
+        </a:ln>
+        <a:ln w="38100" cap="flat" cmpd="sng" algn="ctr">
+          <a:solidFill>
+            <a:schemeClr val="phClr"/>
+          </a:solidFill>
+          <a:prstDash val="solid"/>
+        </a:ln>
+      </a:lnStyleLst>
+      <a:effectStyleLst>
+        <a:effectStyle>
+          <a:effectLst>
+            <a:outerShdw blurRad="40000" dist="20000" dir="5400000" rotWithShape="0">
+              <a:srgbClr val="000000">
+                <a:alpha val="38000"/>
+              </a:srgbClr>
+            </a:outerShdw>
+          </a:effectLst>
+        </a:effectStyle>
+        <a:effectStyle>
+          <a:effectLst>
+            <a:outerShdw blurRad="40000" dist="23000" dir="5400000" rotWithShape="0">
+              <a:srgbClr val="000000">
+                <a:alpha val="35000"/>
+              </a:srgbClr>
+            </a:outerShdw>
+          </a:effectLst>
+        </a:effectStyle>
+        <a:effectStyle>
+          <a:effectLst>
+            <a:outerShdw blurRad="40000" dist="23000" dir="5400000" rotWithShape="0">
+              <a:srgbClr val="000000">
+                <a:alpha val="35000"/>
+              </a:srgbClr>
+            </a:outerShdw>
+          </a:effectLst>
+          <a:scene3d>
+            <a:camera prst="orthographicFront">
+              <a:rot lat="0" lon="0" rev="0"/>
+            </a:camera>
+            <a:lightRig rig="threePt" dir="t">
+              <a:rot lat="0" lon="0" rev="1200000"/>
+            </a:lightRig>
+          </a:scene3d>
+          <a:sp3d>
+            <a:bevelT w="63500" h="25400"/>
+          </a:sp3d>
+        </a:effectStyle>
+      </a:effectStyleLst>
+      <a:bgFillStyleLst>
+        <a:solidFill>
+          <a:schemeClr val="phClr"/>
+        </a:solidFill>
+        <a:gradFill rotWithShape="1">
+          <a:gsLst>
+            <a:gs pos="0">
+              <a:schemeClr val="phClr">
+                <a:tint val="40000"/>
+                <a:satMod val="350000"/>
+              </a:schemeClr>
+            </a:gs>
+            <a:gs pos="40000">
+              <a:schemeClr val="phClr">
+                <a:tint val="45000"/>
+                <a:shade val="99000"/>
+                <a:satMod val="350000"/>
+              </a:schemeClr>
+            </a:gs>
+            <a:gs pos="100000">
+              <a:schemeClr val="phClr">
+                <a:shade val="20000"/>
+                <a:satMod val="255000"/>
+              </a:schemeClr>
+            </a:gs>
+          </a:gsLst>
+          <a:path path="circle">
+            <a:fillToRect l="50000" t="-80000" r="50000" b="180000"/>
+          </a:path>
+        </a:gradFill>
+        <a:gradFill rotWithShape="1">
+          <a:gsLst>
+            <a:gs pos="0">
+              <a:schemeClr val="phClr">
+                <a:tint val="80000"/>
+                <a:satMod val="300000"/>
+              </a:schemeClr>
+            </a:gs>
+            <a:gs pos="100000">
+              <a:schemeClr val="phClr">
+                <a:shade val="30000"/>
+                <a:satMod val="200000"/>
+              </a:schemeClr>
+            </a:gs>
+          </a:gsLst>
+          <a:path path="circle">
+            <a:fillToRect l="50000" t="50000" r="50000" b="50000"/>
+          </a:path>
+        </a:gradFill>
+      </a:bgFillStyleLst>
+    </a:fmtScheme>
+  </a:themeElements>
+  <a:objectDefaults>
+    <a:spDef>
+      <a:spPr/>
+      <a:bodyPr/>
+      <a:lstStyle/>
+      <a:style>
+        <a:lnRef idx="1">
+          <a:schemeClr val="accent1"/>
+        </a:lnRef>
+        <a:fillRef idx="3">
+          <a:schemeClr val="accent1"/>
+        </a:fillRef>
+        <a:effectRef idx="2">
+          <a:schemeClr val="accent1"/>
+        </a:effectRef>
+        <a:fontRef idx="minor">
+          <a:schemeClr val="lt1"/>
+        </a:fontRef>
+      </a:style>
+    </a:spDef>
+    <a:lnDef>
+      <a:spPr/>
+      <a:bodyPr/>
+      <a:lstStyle/>
+      <a:style>
+        <a:lnRef idx="2">
+          <a:schemeClr val="accent1"/>
+        </a:lnRef>
+        <a:fillRef idx="0">
+          <a:schemeClr val="accent1"/>
+        </a:fillRef>
+        <a:effectRef idx="1">
+          <a:schemeClr val="accent1"/>
+        </a:effectRef>
+        <a:fontRef idx="minor">
+          <a:schemeClr val="tx1"/>
+        </a:fontRef>
+      </a:style>
+    </a:lnDef>
+  </a:objectDefaults>
+  <a:extraClrSchemeLst/>
+</a:theme>
 </file>
--- a/ontozur_presentation/cimerman_ontozur.pptx
+++ b/ontozur_presentation/cimerman_ontozur.pptx
@@ -4682,7 +4682,7 @@
         </p:nvPicPr>
         <p:blipFill>
           <a:blip r:embed="rId3">
-            <a:alphaModFix amt="10000"/>
+            <a:alphaModFix amt="15000"/>
             <a:extLst>
               <a:ext uri="{28A0092B-C50C-407E-A947-70E740481C1C}">
                 <a14:useLocalDpi xmlns:a14="http://schemas.microsoft.com/office/drawing/2010/main" val="0"/>
@@ -4882,7 +4882,7 @@
         </p:nvPicPr>
         <p:blipFill>
           <a:blip r:embed="rId3">
-            <a:alphaModFix amt="10000"/>
+            <a:alphaModFix amt="15000"/>
             <a:extLst>
               <a:ext uri="{28A0092B-C50C-407E-A947-70E740481C1C}">
                 <a14:useLocalDpi xmlns:a14="http://schemas.microsoft.com/office/drawing/2010/main" val="0"/>
@@ -5044,7 +5044,7 @@
         </p:nvPicPr>
         <p:blipFill>
           <a:blip r:embed="rId3">
-            <a:alphaModFix amt="10000"/>
+            <a:alphaModFix amt="15000"/>
             <a:extLst>
               <a:ext uri="{28A0092B-C50C-407E-A947-70E740481C1C}">
                 <a14:useLocalDpi xmlns:a14="http://schemas.microsoft.com/office/drawing/2010/main" val="0"/>

--- a/ontozur_presentation/cimerman_ontozur.pptx
+++ b/ontozur_presentation/cimerman_ontozur.pptx
@@ -194,7 +194,7 @@
           <a:p>
             <a:fld id="{2A0419D1-A1B8-4F41-AF45-95BE829F19FA}" type="datetimeFigureOut">
               <a:rPr lang="en-US" smtClean="0"/>
-              <a:t>04/12/15</a:t>
+              <a:t>05/12/15</a:t>
             </a:fld>
             <a:endParaRPr lang="en-US"/>
           </a:p>
@@ -1080,39 +1080,7 @@
           <a:p>
             <a:r>
               <a:rPr lang="en-US" baseline="0" dirty="0" err="1" smtClean="0"/>
-              <a:t>Podobne</a:t>
-            </a:r>
-            <a:r>
-              <a:rPr lang="en-US" baseline="0" dirty="0" smtClean="0"/>
-              <a:t> </a:t>
-            </a:r>
-            <a:r>
-              <a:rPr lang="en-US" baseline="0" dirty="0" err="1" smtClean="0"/>
-              <a:t>pristupy</a:t>
-            </a:r>
-            <a:r>
-              <a:rPr lang="en-US" baseline="0" dirty="0" smtClean="0"/>
-              <a:t> </a:t>
-            </a:r>
-            <a:r>
-              <a:rPr lang="en-US" baseline="0" dirty="0" err="1" smtClean="0"/>
-              <a:t>existuju</a:t>
-            </a:r>
-            <a:r>
-              <a:rPr lang="en-US" baseline="0" dirty="0" smtClean="0"/>
-              <a:t> v </a:t>
-            </a:r>
-            <a:r>
-              <a:rPr lang="en-US" baseline="0" dirty="0" err="1" smtClean="0"/>
-              <a:t>oblasti</a:t>
-            </a:r>
-            <a:r>
-              <a:rPr lang="en-US" baseline="0" dirty="0" smtClean="0"/>
-              <a:t> </a:t>
-            </a:r>
-            <a:r>
-              <a:rPr lang="en-US" baseline="0" dirty="0" err="1" smtClean="0"/>
-              <a:t>spracovania</a:t>
+              <a:t>Pri</a:t>
             </a:r>
             <a:r>
               <a:rPr lang="en-US" baseline="0" dirty="0" smtClean="0"/>
@@ -1128,75 +1096,127 @@
             </a:r>
             <a:r>
               <a:rPr lang="en-US" baseline="0" dirty="0" err="1" smtClean="0"/>
-              <a:t>kolekcii</a:t>
-            </a:r>
-            <a:r>
-              <a:rPr lang="en-US" baseline="0" dirty="0" smtClean="0"/>
-              <a:t> </a:t>
-            </a:r>
-            <a:r>
-              <a:rPr lang="en-US" baseline="0" dirty="0" err="1" smtClean="0"/>
-              <a:t>dat</a:t>
-            </a:r>
-            <a:r>
-              <a:rPr lang="en-US" baseline="0" dirty="0" smtClean="0"/>
-              <a:t> – </a:t>
-            </a:r>
-            <a:r>
-              <a:rPr lang="en-US" baseline="0" dirty="0" err="1" smtClean="0"/>
-              <a:t>dnes</a:t>
-            </a:r>
-            <a:r>
-              <a:rPr lang="en-US" baseline="0" dirty="0" smtClean="0"/>
-              <a:t> </a:t>
-            </a:r>
-            <a:r>
-              <a:rPr lang="en-US" baseline="0" dirty="0" err="1" smtClean="0"/>
-              <a:t>sa</a:t>
-            </a:r>
-            <a:r>
-              <a:rPr lang="en-US" baseline="0" dirty="0" smtClean="0"/>
-              <a:t> </a:t>
-            </a:r>
-            <a:r>
-              <a:rPr lang="en-US" baseline="0" dirty="0" err="1" smtClean="0"/>
-              <a:t>vsak</a:t>
-            </a:r>
-            <a:r>
-              <a:rPr lang="en-US" baseline="0" dirty="0" smtClean="0"/>
-              <a:t> do </a:t>
-            </a:r>
-            <a:r>
-              <a:rPr lang="en-US" baseline="0" dirty="0" err="1" smtClean="0"/>
-              <a:t>pozornosti</a:t>
-            </a:r>
-            <a:r>
-              <a:rPr lang="en-US" baseline="0" dirty="0" smtClean="0"/>
-              <a:t> </a:t>
-            </a:r>
-            <a:r>
-              <a:rPr lang="en-US" baseline="0" dirty="0" err="1" smtClean="0"/>
-              <a:t>dostava</a:t>
-            </a:r>
-            <a:r>
-              <a:rPr lang="en-US" baseline="0" dirty="0" smtClean="0"/>
-              <a:t> </a:t>
-            </a:r>
-            <a:r>
-              <a:rPr lang="en-US" baseline="0" dirty="0" err="1" smtClean="0"/>
-              <a:t>analyza</a:t>
-            </a:r>
-            <a:r>
-              <a:rPr lang="en-US" baseline="0" dirty="0" smtClean="0"/>
-              <a:t> </a:t>
-            </a:r>
-            <a:r>
-              <a:rPr lang="en-US" baseline="0" dirty="0" err="1" smtClean="0"/>
-              <a:t>udajov</a:t>
-            </a:r>
-            <a:r>
-              <a:rPr lang="en-US" baseline="0" dirty="0" smtClean="0"/>
-              <a:t> v case </a:t>
+              <a:t>kolekciach</a:t>
+            </a:r>
+            <a:r>
+              <a:rPr lang="en-US" baseline="0" dirty="0" smtClean="0"/>
+              <a:t> </a:t>
+            </a:r>
+            <a:r>
+              <a:rPr lang="en-US" baseline="0" dirty="0" err="1" smtClean="0"/>
+              <a:t>údajov</a:t>
+            </a:r>
+            <a:r>
+              <a:rPr lang="en-US" baseline="0" dirty="0" smtClean="0"/>
+              <a:t> </a:t>
+            </a:r>
+            <a:r>
+              <a:rPr lang="en-US" baseline="0" dirty="0" err="1" smtClean="0"/>
+              <a:t>existujú</a:t>
+            </a:r>
+            <a:r>
+              <a:rPr lang="en-US" baseline="0" dirty="0" smtClean="0"/>
+              <a:t> </a:t>
+            </a:r>
+            <a:r>
+              <a:rPr lang="en-US" baseline="0" dirty="0" err="1" smtClean="0"/>
+              <a:t>met</a:t>
+            </a:r>
+            <a:r>
+              <a:rPr lang="en-US" baseline="0" dirty="0" err="1" smtClean="0"/>
+              <a:t>ódy</a:t>
+            </a:r>
+            <a:r>
+              <a:rPr lang="en-US" baseline="0" dirty="0" smtClean="0"/>
+              <a:t>, </a:t>
+            </a:r>
+            <a:r>
+              <a:rPr lang="en-US" baseline="0" dirty="0" err="1" smtClean="0"/>
+              <a:t>ktoré</a:t>
+            </a:r>
+            <a:r>
+              <a:rPr lang="en-US" baseline="0" dirty="0" smtClean="0"/>
+              <a:t> </a:t>
+            </a:r>
+            <a:r>
+              <a:rPr lang="en-US" baseline="0" dirty="0" err="1" smtClean="0"/>
+              <a:t>sú</a:t>
+            </a:r>
+            <a:r>
+              <a:rPr lang="en-US" baseline="0" dirty="0" smtClean="0"/>
+              <a:t> </a:t>
+            </a:r>
+            <a:r>
+              <a:rPr lang="en-US" baseline="0" dirty="0" err="1" smtClean="0"/>
+              <a:t>jednoduché</a:t>
+            </a:r>
+            <a:r>
+              <a:rPr lang="en-US" baseline="0" dirty="0" smtClean="0"/>
+              <a:t> </a:t>
+            </a:r>
+            <a:r>
+              <a:rPr lang="en-US" baseline="0" dirty="0" err="1" smtClean="0"/>
+              <a:t>na</a:t>
+            </a:r>
+            <a:r>
+              <a:rPr lang="en-US" baseline="0" dirty="0" smtClean="0"/>
+              <a:t> </a:t>
+            </a:r>
+            <a:r>
+              <a:rPr lang="en-US" baseline="0" dirty="0" err="1" smtClean="0"/>
+              <a:t>použitie</a:t>
+            </a:r>
+            <a:r>
+              <a:rPr lang="en-US" baseline="0" dirty="0" smtClean="0"/>
+              <a:t> a </a:t>
+            </a:r>
+            <a:r>
+              <a:rPr lang="en-US" baseline="0" dirty="0" err="1" smtClean="0"/>
+              <a:t>interpretovanie</a:t>
+            </a:r>
+            <a:r>
+              <a:rPr lang="en-US" baseline="0" dirty="0" smtClean="0"/>
+              <a:t> </a:t>
+            </a:r>
+            <a:r>
+              <a:rPr lang="en-US" baseline="0" dirty="0" err="1" smtClean="0"/>
+              <a:t>výsledkov</a:t>
+            </a:r>
+            <a:r>
+              <a:rPr lang="en-US" baseline="0" dirty="0" smtClean="0"/>
+              <a:t>, </a:t>
+            </a:r>
+            <a:r>
+              <a:rPr lang="en-US" baseline="0" dirty="0" err="1" smtClean="0"/>
+              <a:t>pričom</a:t>
+            </a:r>
+            <a:r>
+              <a:rPr lang="en-US" baseline="0" dirty="0" smtClean="0"/>
+              <a:t> expert </a:t>
+            </a:r>
+            <a:r>
+              <a:rPr lang="en-US" baseline="0" dirty="0" err="1" smtClean="0"/>
+              <a:t>nepotrebuje</a:t>
+            </a:r>
+            <a:r>
+              <a:rPr lang="en-US" baseline="0" dirty="0" smtClean="0"/>
+              <a:t> </a:t>
+            </a:r>
+            <a:r>
+              <a:rPr lang="en-US" baseline="0" dirty="0" err="1" smtClean="0"/>
+              <a:t>detailnú</a:t>
+            </a:r>
+            <a:r>
+              <a:rPr lang="en-US" baseline="0" dirty="0" smtClean="0"/>
+              <a:t> </a:t>
+            </a:r>
+            <a:r>
+              <a:rPr lang="en-US" baseline="0" dirty="0" err="1" smtClean="0"/>
+              <a:t>znalosť</a:t>
+            </a:r>
+            <a:r>
+              <a:rPr lang="en-US" baseline="0" dirty="0" smtClean="0"/>
+              <a:t> </a:t>
             </a:r>
             <a:r>
               <a:rPr lang="en-US" baseline="0" dirty="0" err="1" smtClean="0"/>
@@ -1208,92 +1228,56 @@
             </a:r>
             <a:r>
               <a:rPr lang="en-US" baseline="0" dirty="0" err="1" smtClean="0"/>
-              <a:t>vzniku</a:t>
-            </a:r>
-            <a:r>
-              <a:rPr lang="en-US" baseline="0" dirty="0" smtClean="0"/>
-              <a:t>, </a:t>
-            </a:r>
-            <a:r>
-              <a:rPr lang="en-US" baseline="0" dirty="0" err="1" smtClean="0"/>
-              <a:t>preto</a:t>
-            </a:r>
-            <a:r>
-              <a:rPr lang="en-US" baseline="0" dirty="0" smtClean="0"/>
-              <a:t> </a:t>
-            </a:r>
-            <a:r>
-              <a:rPr lang="en-US" baseline="0" dirty="0" err="1" smtClean="0"/>
-              <a:t>potrebujeme</a:t>
-            </a:r>
-            <a:r>
-              <a:rPr lang="en-US" baseline="0" dirty="0" smtClean="0"/>
-              <a:t> </a:t>
-            </a:r>
-            <a:r>
-              <a:rPr lang="en-US" baseline="0" dirty="0" err="1" smtClean="0"/>
-              <a:t>tuto</a:t>
-            </a:r>
-            <a:r>
-              <a:rPr lang="en-US" baseline="0" dirty="0" smtClean="0"/>
-              <a:t> oblast </a:t>
-            </a:r>
-            <a:r>
-              <a:rPr lang="en-US" baseline="0" dirty="0" err="1" smtClean="0"/>
-              <a:t>skumat</a:t>
-            </a:r>
-            <a:r>
-              <a:rPr lang="en-US" baseline="0" dirty="0" smtClean="0"/>
-              <a:t>, ci </a:t>
-            </a:r>
-            <a:r>
-              <a:rPr lang="en-US" baseline="0" dirty="0" err="1" smtClean="0"/>
-              <a:t>aplikovania</a:t>
-            </a:r>
-            <a:r>
-              <a:rPr lang="en-US" baseline="0" dirty="0" smtClean="0"/>
-              <a:t> </a:t>
-            </a:r>
-            <a:r>
-              <a:rPr lang="en-US" baseline="0" dirty="0" err="1" smtClean="0"/>
-              <a:t>znamych</a:t>
-            </a:r>
-            <a:r>
-              <a:rPr lang="en-US" baseline="0" dirty="0" smtClean="0"/>
-              <a:t> </a:t>
-            </a:r>
-            <a:r>
-              <a:rPr lang="en-US" baseline="0" dirty="0" err="1" smtClean="0"/>
-              <a:t>modelov</a:t>
-            </a:r>
-            <a:r>
-              <a:rPr lang="en-US" baseline="0" dirty="0" smtClean="0"/>
-              <a:t> </a:t>
-            </a:r>
-            <a:r>
-              <a:rPr lang="en-US" baseline="0" dirty="0" err="1" smtClean="0"/>
-              <a:t>na</a:t>
-            </a:r>
-            <a:r>
-              <a:rPr lang="en-US" baseline="0" dirty="0" smtClean="0"/>
-              <a:t> </a:t>
-            </a:r>
-            <a:r>
-              <a:rPr lang="en-US" baseline="0" dirty="0" err="1" smtClean="0"/>
-              <a:t>prudove</a:t>
-            </a:r>
-            <a:r>
-              <a:rPr lang="en-US" baseline="0" dirty="0" smtClean="0"/>
-              <a:t> </a:t>
-            </a:r>
-            <a:r>
-              <a:rPr lang="en-US" baseline="0" dirty="0" err="1" smtClean="0"/>
-              <a:t>spracovanie</a:t>
-            </a:r>
-            <a:r>
-              <a:rPr lang="en-US" baseline="0" dirty="0" smtClean="0"/>
-              <a:t> (15-20s)</a:t>
-            </a:r>
+              <a:t>fungovania</a:t>
+            </a:r>
+            <a:r>
+              <a:rPr lang="en-US" baseline="0" dirty="0" smtClean="0"/>
+              <a:t> (</a:t>
+            </a:r>
+            <a:r>
+              <a:rPr lang="en-US" baseline="0" dirty="0" err="1" smtClean="0"/>
+              <a:t>štatistika</a:t>
+            </a:r>
+            <a:r>
+              <a:rPr lang="en-US" baseline="0" dirty="0" smtClean="0"/>
+              <a:t>, ML, </a:t>
+            </a:r>
+            <a:r>
+              <a:rPr lang="en-US" baseline="0" dirty="0" err="1" smtClean="0"/>
+              <a:t>dátova</a:t>
+            </a:r>
+            <a:r>
+              <a:rPr lang="en-US" baseline="0" dirty="0" smtClean="0"/>
+              <a:t> </a:t>
+            </a:r>
+            <a:r>
+              <a:rPr lang="en-US" baseline="0" dirty="0" err="1" smtClean="0"/>
+              <a:t>analytika</a:t>
+            </a:r>
+            <a:r>
+              <a:rPr lang="en-US" baseline="0" dirty="0" smtClean="0"/>
+              <a:t>).</a:t>
+            </a:r>
+            <a:endParaRPr lang="en-US" baseline="0" dirty="0" smtClean="0"/>
+          </a:p>
+          <a:p>
+            <a:pPr marL="0" marR="0" indent="0" algn="l" defTabSz="457200" rtl="0" eaLnBrk="1" fontAlgn="auto" latinLnBrk="0" hangingPunct="1">
+              <a:lnSpc>
+                <a:spcPct val="100000"/>
+              </a:lnSpc>
+              <a:spcBef>
+                <a:spcPts val="0"/>
+              </a:spcBef>
+              <a:spcAft>
+                <a:spcPts val="0"/>
+              </a:spcAft>
+              <a:buClrTx/>
+              <a:buSzTx/>
+              <a:buFontTx/>
+              <a:buNone/>
+              <a:tabLst/>
+              <a:defRPr/>
+            </a:pPr>
             <a:endParaRPr lang="en-US" dirty="0"/>
           </a:p>
         </p:txBody>
@@ -1641,8 +1625,208 @@
               <a:buChar char="-"/>
             </a:pPr>
             <a:r>
-              <a:rPr lang="en-US" baseline="0" dirty="0" smtClean="0"/>
-              <a:t>(20s)</a:t>
+              <a:rPr lang="en-US" baseline="0" dirty="0" err="1" smtClean="0"/>
+              <a:t>Chceme</a:t>
+            </a:r>
+            <a:r>
+              <a:rPr lang="en-US" baseline="0" dirty="0" smtClean="0"/>
+              <a:t> </a:t>
+            </a:r>
+            <a:r>
+              <a:rPr lang="en-US" baseline="0" dirty="0" err="1" smtClean="0"/>
+              <a:t>nájst</a:t>
+            </a:r>
+            <a:r>
+              <a:rPr lang="en-US" baseline="0" dirty="0" smtClean="0"/>
+              <a:t> </a:t>
+            </a:r>
+            <a:r>
+              <a:rPr lang="en-US" baseline="0" dirty="0" err="1" smtClean="0"/>
+              <a:t>vhodnú</a:t>
+            </a:r>
+            <a:r>
+              <a:rPr lang="en-US" baseline="0" dirty="0" smtClean="0"/>
+              <a:t> </a:t>
+            </a:r>
+            <a:r>
+              <a:rPr lang="en-US" baseline="0" dirty="0" err="1" smtClean="0"/>
+              <a:t>met</a:t>
+            </a:r>
+            <a:r>
+              <a:rPr lang="en-US" baseline="0" dirty="0" err="1" smtClean="0"/>
+              <a:t>ódu</a:t>
+            </a:r>
+            <a:r>
+              <a:rPr lang="en-US" baseline="0" dirty="0" smtClean="0"/>
+              <a:t> a </a:t>
+            </a:r>
+            <a:r>
+              <a:rPr lang="en-US" baseline="0" dirty="0" err="1" smtClean="0"/>
+              <a:t>upraviť</a:t>
+            </a:r>
+            <a:r>
+              <a:rPr lang="en-US" baseline="0" dirty="0" smtClean="0"/>
+              <a:t>, </a:t>
+            </a:r>
+            <a:r>
+              <a:rPr lang="en-US" baseline="0" dirty="0" err="1" smtClean="0"/>
+              <a:t>alebo</a:t>
+            </a:r>
+            <a:r>
+              <a:rPr lang="en-US" baseline="0" dirty="0" smtClean="0"/>
+              <a:t> </a:t>
+            </a:r>
+            <a:r>
+              <a:rPr lang="en-US" baseline="0" dirty="0" err="1" smtClean="0"/>
+              <a:t>vymyslieť</a:t>
+            </a:r>
+            <a:r>
+              <a:rPr lang="en-US" baseline="0" dirty="0" smtClean="0"/>
+              <a:t> </a:t>
+            </a:r>
+            <a:r>
+              <a:rPr lang="en-US" baseline="0" dirty="0" err="1" smtClean="0"/>
+              <a:t>metódu</a:t>
+            </a:r>
+            <a:r>
+              <a:rPr lang="en-US" baseline="0" dirty="0" smtClean="0"/>
+              <a:t> </a:t>
+            </a:r>
+            <a:r>
+              <a:rPr lang="en-US" baseline="0" dirty="0" err="1" smtClean="0"/>
+              <a:t>takú</a:t>
+            </a:r>
+            <a:r>
+              <a:rPr lang="en-US" baseline="0" dirty="0" smtClean="0"/>
+              <a:t>, </a:t>
+            </a:r>
+            <a:r>
+              <a:rPr lang="en-US" baseline="0" dirty="0" err="1" smtClean="0"/>
+              <a:t>ktorú</a:t>
+            </a:r>
+            <a:r>
+              <a:rPr lang="en-US" baseline="0" dirty="0" smtClean="0"/>
+              <a:t> </a:t>
+            </a:r>
+            <a:r>
+              <a:rPr lang="en-US" baseline="0" dirty="0" err="1" smtClean="0"/>
+              <a:t>bude</a:t>
+            </a:r>
+            <a:r>
+              <a:rPr lang="en-US" baseline="0" dirty="0" smtClean="0"/>
+              <a:t> </a:t>
+            </a:r>
+            <a:r>
+              <a:rPr lang="en-US" baseline="0" dirty="0" err="1" smtClean="0"/>
+              <a:t>môcť</a:t>
+            </a:r>
+            <a:r>
+              <a:rPr lang="en-US" baseline="0" dirty="0" smtClean="0"/>
+              <a:t> </a:t>
+            </a:r>
+            <a:r>
+              <a:rPr lang="en-US" baseline="0" dirty="0" err="1" smtClean="0"/>
+              <a:t>použiť</a:t>
+            </a:r>
+            <a:r>
+              <a:rPr lang="en-US" baseline="0" dirty="0" smtClean="0"/>
+              <a:t> </a:t>
+            </a:r>
+            <a:r>
+              <a:rPr lang="en-US" baseline="0" dirty="0" err="1" smtClean="0"/>
+              <a:t>každý</a:t>
+            </a:r>
+            <a:r>
+              <a:rPr lang="en-US" baseline="0" dirty="0" smtClean="0"/>
+              <a:t> </a:t>
+            </a:r>
+            <a:r>
+              <a:rPr lang="en-US" baseline="0" dirty="0" err="1" smtClean="0"/>
+              <a:t>doménový</a:t>
+            </a:r>
+            <a:r>
+              <a:rPr lang="en-US" baseline="0" dirty="0" smtClean="0"/>
+              <a:t> expert </a:t>
+            </a:r>
+            <a:r>
+              <a:rPr lang="en-US" baseline="0" dirty="0" err="1" smtClean="0"/>
+              <a:t>bez</a:t>
+            </a:r>
+            <a:r>
+              <a:rPr lang="en-US" baseline="0" dirty="0" smtClean="0"/>
+              <a:t> </a:t>
+            </a:r>
+            <a:r>
+              <a:rPr lang="en-US" baseline="0" dirty="0" err="1" smtClean="0"/>
+              <a:t>toho</a:t>
+            </a:r>
+            <a:r>
+              <a:rPr lang="en-US" baseline="0" dirty="0" smtClean="0"/>
+              <a:t> </a:t>
+            </a:r>
+            <a:r>
+              <a:rPr lang="en-US" baseline="0" dirty="0" err="1" smtClean="0"/>
+              <a:t>aby</a:t>
+            </a:r>
+            <a:r>
+              <a:rPr lang="en-US" baseline="0" dirty="0" smtClean="0"/>
+              <a:t> </a:t>
+            </a:r>
+            <a:r>
+              <a:rPr lang="en-US" baseline="0" dirty="0" err="1" smtClean="0"/>
+              <a:t>bol</a:t>
+            </a:r>
+            <a:r>
+              <a:rPr lang="en-US" baseline="0" dirty="0" smtClean="0"/>
+              <a:t> </a:t>
+            </a:r>
+            <a:r>
+              <a:rPr lang="en-US" baseline="0" dirty="0" err="1" smtClean="0"/>
+              <a:t>expertom</a:t>
+            </a:r>
+            <a:r>
+              <a:rPr lang="en-US" baseline="0" dirty="0" smtClean="0"/>
+              <a:t> </a:t>
+            </a:r>
+            <a:r>
+              <a:rPr lang="en-US" baseline="0" dirty="0" err="1" smtClean="0"/>
+              <a:t>aj</a:t>
+            </a:r>
+            <a:r>
+              <a:rPr lang="en-US" baseline="0" dirty="0" smtClean="0"/>
+              <a:t> </a:t>
+            </a:r>
+            <a:r>
+              <a:rPr lang="en-US" baseline="0" dirty="0" err="1" smtClean="0"/>
+              <a:t>na</a:t>
+            </a:r>
+            <a:r>
+              <a:rPr lang="en-US" baseline="0" dirty="0" smtClean="0"/>
+              <a:t> ML, </a:t>
+            </a:r>
+            <a:r>
+              <a:rPr lang="en-US" baseline="0" dirty="0" err="1" smtClean="0"/>
+              <a:t>štatistiku</a:t>
+            </a:r>
+            <a:r>
+              <a:rPr lang="en-US" baseline="0" dirty="0" smtClean="0"/>
+              <a:t>, </a:t>
+            </a:r>
+            <a:r>
+              <a:rPr lang="en-US" baseline="0" dirty="0" err="1" smtClean="0"/>
+              <a:t>datovu</a:t>
+            </a:r>
+            <a:r>
+              <a:rPr lang="en-US" baseline="0" dirty="0" smtClean="0"/>
+              <a:t> </a:t>
+            </a:r>
+            <a:r>
+              <a:rPr lang="en-US" baseline="0" dirty="0" err="1" smtClean="0"/>
+              <a:t>analytiku</a:t>
+            </a:r>
+            <a:r>
+              <a:rPr lang="is-IS" baseline="0" dirty="0" smtClean="0"/>
+              <a:t>…</a:t>
             </a:r>
             <a:endParaRPr lang="en-US" dirty="0"/>
           </a:p>
@@ -1865,7 +2049,7 @@
           <a:p>
             <a:fld id="{FDCE3AED-617F-F047-B430-24D9255B61B8}" type="datetimeFigureOut">
               <a:rPr lang="en-US" smtClean="0"/>
-              <a:t>04/12/15</a:t>
+              <a:t>05/12/15</a:t>
             </a:fld>
             <a:endParaRPr lang="en-US"/>
           </a:p>
@@ -2035,7 +2219,7 @@
           <a:p>
             <a:fld id="{FDCE3AED-617F-F047-B430-24D9255B61B8}" type="datetimeFigureOut">
               <a:rPr lang="en-US" smtClean="0"/>
-              <a:t>04/12/15</a:t>
+              <a:t>05/12/15</a:t>
             </a:fld>
             <a:endParaRPr lang="en-US"/>
           </a:p>
@@ -2215,7 +2399,7 @@
           <a:p>
             <a:fld id="{FDCE3AED-617F-F047-B430-24D9255B61B8}" type="datetimeFigureOut">
               <a:rPr lang="en-US" smtClean="0"/>
-              <a:t>04/12/15</a:t>
+              <a:t>05/12/15</a:t>
             </a:fld>
             <a:endParaRPr lang="en-US"/>
           </a:p>
@@ -2385,7 +2569,7 @@
           <a:p>
             <a:fld id="{FDCE3AED-617F-F047-B430-24D9255B61B8}" type="datetimeFigureOut">
               <a:rPr lang="en-US" smtClean="0"/>
-              <a:t>04/12/15</a:t>
+              <a:t>05/12/15</a:t>
             </a:fld>
             <a:endParaRPr lang="en-US"/>
           </a:p>
@@ -2631,7 +2815,7 @@
           <a:p>
             <a:fld id="{FDCE3AED-617F-F047-B430-24D9255B61B8}" type="datetimeFigureOut">
               <a:rPr lang="en-US" smtClean="0"/>
-              <a:t>04/12/15</a:t>
+              <a:t>05/12/15</a:t>
             </a:fld>
             <a:endParaRPr lang="en-US"/>
           </a:p>
@@ -2919,7 +3103,7 @@
           <a:p>
             <a:fld id="{FDCE3AED-617F-F047-B430-24D9255B61B8}" type="datetimeFigureOut">
               <a:rPr lang="en-US" smtClean="0"/>
-              <a:t>04/12/15</a:t>
+              <a:t>05/12/15</a:t>
             </a:fld>
             <a:endParaRPr lang="en-US"/>
           </a:p>
@@ -3341,7 +3525,7 @@
           <a:p>
             <a:fld id="{FDCE3AED-617F-F047-B430-24D9255B61B8}" type="datetimeFigureOut">
               <a:rPr lang="en-US" smtClean="0"/>
-              <a:t>04/12/15</a:t>
+              <a:t>05/12/15</a:t>
             </a:fld>
             <a:endParaRPr lang="en-US"/>
           </a:p>
@@ -3459,7 +3643,7 @@
           <a:p>
             <a:fld id="{FDCE3AED-617F-F047-B430-24D9255B61B8}" type="datetimeFigureOut">
               <a:rPr lang="en-US" smtClean="0"/>
-              <a:t>04/12/15</a:t>
+              <a:t>05/12/15</a:t>
             </a:fld>
             <a:endParaRPr lang="en-US"/>
           </a:p>
@@ -3554,7 +3738,7 @@
           <a:p>
             <a:fld id="{FDCE3AED-617F-F047-B430-24D9255B61B8}" type="datetimeFigureOut">
               <a:rPr lang="en-US" smtClean="0"/>
-              <a:t>04/12/15</a:t>
+              <a:t>05/12/15</a:t>
             </a:fld>
             <a:endParaRPr lang="en-US"/>
           </a:p>
@@ -3831,7 +4015,7 @@
           <a:p>
             <a:fld id="{FDCE3AED-617F-F047-B430-24D9255B61B8}" type="datetimeFigureOut">
               <a:rPr lang="en-US" smtClean="0"/>
-              <a:t>04/12/15</a:t>
+              <a:t>05/12/15</a:t>
             </a:fld>
             <a:endParaRPr lang="en-US"/>
           </a:p>
@@ -4084,7 +4268,7 @@
           <a:p>
             <a:fld id="{FDCE3AED-617F-F047-B430-24D9255B61B8}" type="datetimeFigureOut">
               <a:rPr lang="en-US" smtClean="0"/>
-              <a:t>04/12/15</a:t>
+              <a:t>05/12/15</a:t>
             </a:fld>
             <a:endParaRPr lang="en-US"/>
           </a:p>
@@ -4297,7 +4481,7 @@
           <a:p>
             <a:fld id="{FDCE3AED-617F-F047-B430-24D9255B61B8}" type="datetimeFigureOut">
               <a:rPr lang="en-US" smtClean="0"/>
-              <a:t>04/12/15</a:t>
+              <a:t>05/12/15</a:t>
             </a:fld>
             <a:endParaRPr lang="en-US"/>
           </a:p>
@@ -4726,10 +4910,154 @@
           <a:lstStyle/>
           <a:p>
             <a:r>
-              <a:rPr lang="en-US" dirty="0" smtClean="0"/>
-              <a:t>Stream analysis of incoming events using different data analysis methods</a:t>
-            </a:r>
-            <a:endParaRPr lang="en-US" dirty="0"/>
+              <a:rPr lang="en-US" sz="3900" dirty="0" err="1">
+                <a:solidFill>
+                  <a:srgbClr val="000000"/>
+                </a:solidFill>
+              </a:rPr>
+              <a:t>Analýza</a:t>
+            </a:r>
+            <a:r>
+              <a:rPr lang="en-US" sz="3900" dirty="0">
+                <a:solidFill>
+                  <a:srgbClr val="000000"/>
+                </a:solidFill>
+              </a:rPr>
+              <a:t> </a:t>
+            </a:r>
+            <a:r>
+              <a:rPr lang="en-US" sz="3900" dirty="0" err="1">
+                <a:solidFill>
+                  <a:srgbClr val="000000"/>
+                </a:solidFill>
+              </a:rPr>
+              <a:t>prúdu</a:t>
+            </a:r>
+            <a:r>
+              <a:rPr lang="en-US" sz="3900" dirty="0">
+                <a:solidFill>
+                  <a:srgbClr val="000000"/>
+                </a:solidFill>
+              </a:rPr>
+              <a:t> </a:t>
+            </a:r>
+            <a:r>
+              <a:rPr lang="en-US" sz="3900" dirty="0" err="1">
+                <a:solidFill>
+                  <a:srgbClr val="000000"/>
+                </a:solidFill>
+              </a:rPr>
+              <a:t>prichádzajúcich</a:t>
+            </a:r>
+            <a:r>
+              <a:rPr lang="en-US" sz="3900" dirty="0">
+                <a:solidFill>
+                  <a:srgbClr val="000000"/>
+                </a:solidFill>
+              </a:rPr>
+              <a:t> </a:t>
+            </a:r>
+            <a:r>
+              <a:rPr lang="en-US" sz="3900" dirty="0" err="1">
+                <a:solidFill>
+                  <a:srgbClr val="000000"/>
+                </a:solidFill>
+              </a:rPr>
+              <a:t>udalosti</a:t>
+            </a:r>
+            <a:r>
+              <a:rPr lang="en-US" sz="3900" dirty="0">
+                <a:solidFill>
+                  <a:srgbClr val="000000"/>
+                </a:solidFill>
+              </a:rPr>
+              <a:t>́ </a:t>
+            </a:r>
+            <a:r>
+              <a:rPr lang="en-US" sz="3900" dirty="0" err="1">
+                <a:solidFill>
+                  <a:srgbClr val="000000"/>
+                </a:solidFill>
+              </a:rPr>
+              <a:t>použitím</a:t>
+            </a:r>
+            <a:r>
+              <a:rPr lang="en-US" sz="3900" dirty="0">
+                <a:solidFill>
+                  <a:srgbClr val="000000"/>
+                </a:solidFill>
+              </a:rPr>
+              <a:t> </a:t>
+            </a:r>
+            <a:r>
+              <a:rPr lang="en-US" sz="3900" dirty="0" err="1">
+                <a:solidFill>
+                  <a:srgbClr val="000000"/>
+                </a:solidFill>
+              </a:rPr>
+              <a:t>rôznych</a:t>
+            </a:r>
+            <a:r>
+              <a:rPr lang="en-US" sz="3900" dirty="0">
+                <a:solidFill>
+                  <a:srgbClr val="000000"/>
+                </a:solidFill>
+              </a:rPr>
+              <a:t> </a:t>
+            </a:r>
+            <a:r>
+              <a:rPr lang="en-US" sz="3900" dirty="0" err="1">
+                <a:solidFill>
+                  <a:srgbClr val="000000"/>
+                </a:solidFill>
+              </a:rPr>
+              <a:t>metód</a:t>
+            </a:r>
+            <a:r>
+              <a:rPr lang="en-US" sz="3900" dirty="0">
+                <a:solidFill>
+                  <a:srgbClr val="000000"/>
+                </a:solidFill>
+              </a:rPr>
+              <a:t> pre </a:t>
+            </a:r>
+            <a:r>
+              <a:rPr lang="en-US" sz="3900" dirty="0" err="1">
+                <a:solidFill>
+                  <a:srgbClr val="000000"/>
+                </a:solidFill>
+              </a:rPr>
+              <a:t>analýzu</a:t>
+            </a:r>
+            <a:r>
+              <a:rPr lang="en-US" sz="3900" dirty="0">
+                <a:solidFill>
+                  <a:srgbClr val="000000"/>
+                </a:solidFill>
+              </a:rPr>
+              <a:t> </a:t>
+            </a:r>
+            <a:r>
+              <a:rPr lang="en-US" sz="3900" dirty="0" err="1">
+                <a:solidFill>
+                  <a:srgbClr val="000000"/>
+                </a:solidFill>
+              </a:rPr>
+              <a:t>údajov</a:t>
+            </a:r>
+            <a:r>
+              <a:rPr lang="en-US" sz="3900" dirty="0">
+                <a:solidFill>
+                  <a:srgbClr val="000000"/>
+                </a:solidFill>
+              </a:rPr>
+              <a:t> </a:t>
+            </a:r>
+            <a:endParaRPr lang="en-US" sz="3900" dirty="0">
+              <a:solidFill>
+                <a:srgbClr val="000000"/>
+              </a:solidFill>
+            </a:endParaRPr>
           </a:p>
         </p:txBody>
       </p:sp>
@@ -4745,8 +5073,8 @@
         </p:nvSpPr>
         <p:spPr>
           <a:xfrm>
-            <a:off x="1371600" y="2235171"/>
-            <a:ext cx="6400800" cy="1098431"/>
+            <a:off x="1371600" y="2371255"/>
+            <a:ext cx="6400800" cy="656586"/>
           </a:xfrm>
         </p:spPr>
         <p:txBody>
@@ -4761,17 +5089,31 @@
                   <a:schemeClr val="tx1"/>
                 </a:solidFill>
               </a:rPr>
-              <a:t>Matúš Cimerman</a:t>
-            </a:r>
-          </a:p>
-          <a:p>
+              <a:t>Matúš </a:t>
+            </a:r>
             <a:r>
               <a:rPr lang="en-US" sz="2800" dirty="0" smtClean="0">
                 <a:solidFill>
                   <a:schemeClr val="tx1"/>
                 </a:solidFill>
               </a:rPr>
-              <a:t>Supervisor: </a:t>
+              <a:t>Cimerman, </a:t>
+            </a:r>
+            <a:r>
+              <a:rPr lang="en-US" sz="2800" dirty="0" err="1" smtClean="0">
+                <a:solidFill>
+                  <a:schemeClr val="tx1"/>
+                </a:solidFill>
+              </a:rPr>
+              <a:t>Ing</a:t>
+            </a:r>
+            <a:r>
+              <a:rPr lang="en-US" sz="2800" dirty="0" smtClean="0">
+                <a:solidFill>
+                  <a:schemeClr val="tx1"/>
+                </a:solidFill>
+              </a:rPr>
+              <a:t>. </a:t>
             </a:r>
             <a:r>
               <a:rPr lang="en-US" sz="2800" dirty="0" err="1" smtClean="0">
@@ -4921,82 +5263,120 @@
         </p:spPr>
         <p:txBody>
           <a:bodyPr>
-            <a:normAutofit fontScale="90000"/>
+            <a:normAutofit/>
           </a:bodyPr>
           <a:lstStyle/>
           <a:p>
             <a:r>
+              <a:rPr lang="en-US" dirty="0" err="1" smtClean="0"/>
+              <a:t>Met</a:t>
+            </a:r>
+            <a:r>
+              <a:rPr lang="en-US" dirty="0" err="1" smtClean="0"/>
+              <a:t>ódy</a:t>
+            </a:r>
+            <a:r>
               <a:rPr lang="en-US" dirty="0" smtClean="0"/>
-              <a:t>We </a:t>
+              <a:t>, </a:t>
+            </a:r>
+            <a:r>
+              <a:rPr lang="en-US" dirty="0" err="1" smtClean="0"/>
+              <a:t>ktoré</a:t>
             </a:r>
             <a:r>
               <a:rPr lang="en-US" dirty="0" smtClean="0"/>
-              <a:t>want propose a set of tools which helps interpret advanced analysis models</a:t>
+              <a:t> </a:t>
+            </a:r>
+            <a:r>
+              <a:rPr lang="en-US" dirty="0" err="1" smtClean="0"/>
+              <a:t>sú</a:t>
+            </a:r>
+            <a:r>
+              <a:rPr lang="en-US" dirty="0" smtClean="0"/>
+              <a:t> </a:t>
+            </a:r>
+            <a:r>
+              <a:rPr lang="en-US" dirty="0" err="1" smtClean="0"/>
+              <a:t>j</a:t>
+            </a:r>
+            <a:r>
+              <a:rPr lang="en-US" dirty="0" err="1" smtClean="0"/>
+              <a:t>ednoduché</a:t>
+            </a:r>
+            <a:r>
+              <a:rPr lang="en-US" dirty="0" smtClean="0"/>
+              <a:t> </a:t>
+            </a:r>
+            <a:r>
+              <a:rPr lang="en-US" dirty="0" err="1" smtClean="0"/>
+              <a:t>na</a:t>
+            </a:r>
+            <a:r>
+              <a:rPr lang="en-US" dirty="0" smtClean="0"/>
+              <a:t> </a:t>
+            </a:r>
+            <a:r>
+              <a:rPr lang="en-US" dirty="0" err="1" smtClean="0"/>
+              <a:t>použitie</a:t>
+            </a:r>
+            <a:r>
+              <a:rPr lang="en-US" dirty="0" smtClean="0"/>
+              <a:t> pre </a:t>
+            </a:r>
+            <a:r>
+              <a:rPr lang="en-US" dirty="0" err="1" smtClean="0"/>
+              <a:t>statické</a:t>
+            </a:r>
+            <a:r>
+              <a:rPr lang="en-US" dirty="0" smtClean="0"/>
+              <a:t> </a:t>
+            </a:r>
+            <a:r>
+              <a:rPr lang="en-US" dirty="0" err="1" smtClean="0"/>
+              <a:t>kolekcie</a:t>
+            </a:r>
+            <a:r>
+              <a:rPr lang="en-US" dirty="0" smtClean="0"/>
+              <a:t> </a:t>
+            </a:r>
+            <a:r>
+              <a:rPr lang="en-US" dirty="0" err="1" smtClean="0"/>
+              <a:t>dát</a:t>
             </a:r>
             <a:endParaRPr lang="en-US" dirty="0"/>
           </a:p>
         </p:txBody>
       </p:sp>
-      <p:sp>
-        <p:nvSpPr>
-          <p:cNvPr id="3" name="TextBox 2"/>
-          <p:cNvSpPr txBox="1"/>
+      <p:pic>
+        <p:nvPicPr>
+          <p:cNvPr id="5" name="Picture 4" descr="o2o-purchase-funnel-640.png"/>
+          <p:cNvPicPr>
+            <a:picLocks noChangeAspect="1"/>
+          </p:cNvPicPr>
           <p:nvPr/>
-        </p:nvSpPr>
+        </p:nvPicPr>
+        <p:blipFill>
+          <a:blip r:embed="rId4">
+            <a:extLst>
+              <a:ext uri="{28A0092B-C50C-407E-A947-70E740481C1C}">
+                <a14:useLocalDpi xmlns:a14="http://schemas.microsoft.com/office/drawing/2010/main" val="0"/>
+              </a:ext>
+            </a:extLst>
+          </a:blip>
+          <a:stretch>
+            <a:fillRect/>
+          </a:stretch>
+        </p:blipFill>
         <p:spPr>
           <a:xfrm>
-            <a:off x="263137" y="2048103"/>
-            <a:ext cx="8317407" cy="3416320"/>
+            <a:off x="508000" y="1675938"/>
+            <a:ext cx="8128000" cy="5080000"/>
           </a:xfrm>
           <a:prstGeom prst="rect">
             <a:avLst/>
           </a:prstGeom>
-          <a:noFill/>
         </p:spPr>
-        <p:txBody>
-          <a:bodyPr wrap="square" rtlCol="0">
-            <a:spAutoFit/>
-          </a:bodyPr>
-          <a:lstStyle/>
-          <a:p>
-            <a:pPr marL="571500" indent="-571500">
-              <a:buFont typeface="Arial"/>
-              <a:buChar char="•"/>
-            </a:pPr>
-            <a:r>
-              <a:rPr lang="en-US" sz="3600" dirty="0" smtClean="0"/>
-              <a:t>Usable by domain experts</a:t>
-            </a:r>
-          </a:p>
-          <a:p>
-            <a:pPr marL="571500" indent="-571500">
-              <a:buFont typeface="Arial"/>
-              <a:buChar char="•"/>
-            </a:pPr>
-            <a:r>
-              <a:rPr lang="en-US" sz="3600" dirty="0" smtClean="0"/>
-              <a:t>Do not need to have detail knowledge of models</a:t>
-            </a:r>
-          </a:p>
-          <a:p>
-            <a:pPr marL="571500" indent="-571500">
-              <a:buFont typeface="Arial"/>
-              <a:buChar char="•"/>
-            </a:pPr>
-            <a:r>
-              <a:rPr lang="en-US" sz="3600" dirty="0" smtClean="0"/>
-              <a:t>Analogy in static data collection analytics models</a:t>
-            </a:r>
-          </a:p>
-          <a:p>
-            <a:pPr marL="571500" indent="-571500">
-              <a:buFont typeface="Arial"/>
-              <a:buChar char="•"/>
-            </a:pPr>
-            <a:endParaRPr lang="en-US" sz="3600" dirty="0"/>
-          </a:p>
-        </p:txBody>
-      </p:sp>
+      </p:pic>
     </p:spTree>
     <p:extLst>
       <p:ext uri="{BB962C8B-B14F-4D97-AF65-F5344CB8AC3E}">
@@ -5077,27 +5457,43 @@
         </p:nvSpPr>
         <p:spPr>
           <a:xfrm>
-            <a:off x="0" y="32863"/>
-            <a:ext cx="9144000" cy="2099099"/>
+            <a:off x="0" y="123586"/>
+            <a:ext cx="9144000" cy="1146519"/>
           </a:xfrm>
         </p:spPr>
         <p:txBody>
           <a:bodyPr>
-            <a:normAutofit fontScale="90000"/>
+            <a:normAutofit/>
           </a:bodyPr>
           <a:lstStyle/>
           <a:p>
             <a:r>
+              <a:rPr lang="en-US" dirty="0" err="1" smtClean="0"/>
+              <a:t>Niečo</a:t>
+            </a:r>
+            <a:r>
               <a:rPr lang="en-US" dirty="0" smtClean="0"/>
-              <a:t>Propose a </a:t>
-            </a:r>
-            <a:r>
-              <a:rPr lang="en-US" dirty="0"/>
-              <a:t>data stream </a:t>
+              <a:t> </a:t>
+            </a:r>
+            <a:r>
+              <a:rPr lang="en-US" dirty="0" err="1" smtClean="0"/>
+              <a:t>podobné</a:t>
             </a:r>
             <a:r>
               <a:rPr lang="en-US" dirty="0" smtClean="0"/>
-              <a:t>analysis method(s) which is focused to simplicity and interpretability of results for user.</a:t>
+              <a:t>, ale pre </a:t>
+            </a:r>
+            <a:r>
+              <a:rPr lang="en-US" dirty="0" err="1" smtClean="0"/>
+              <a:t>prúdy</a:t>
+            </a:r>
+            <a:r>
+              <a:rPr lang="en-US" dirty="0" smtClean="0"/>
+              <a:t> </a:t>
+            </a:r>
+            <a:r>
+              <a:rPr lang="en-US" dirty="0" err="1" smtClean="0"/>
+              <a:t>dát</a:t>
             </a:r>
             <a:endParaRPr lang="en-US" dirty="0"/>
           </a:p>
@@ -5111,8 +5507,8 @@
         </p:nvSpPr>
         <p:spPr>
           <a:xfrm>
-            <a:off x="263137" y="2501712"/>
-            <a:ext cx="8317407" cy="3416320"/>
+            <a:off x="263137" y="1748779"/>
+            <a:ext cx="8317407" cy="3370153"/>
           </a:xfrm>
           <a:prstGeom prst="rect">
             <a:avLst/>
@@ -5126,32 +5522,101 @@
           <a:lstStyle/>
           <a:p>
             <a:pPr marL="571500" indent="-571500">
+              <a:lnSpc>
+                <a:spcPct val="150000"/>
+              </a:lnSpc>
               <a:buFont typeface="Arial"/>
               <a:buChar char="•"/>
             </a:pPr>
             <a:r>
-              <a:rPr lang="en-US" sz="3600" dirty="0" smtClean="0"/>
-              <a:t>Users do not have detailed knowledge of model</a:t>
-            </a:r>
+              <a:rPr lang="en-US" sz="3600" dirty="0" err="1" smtClean="0"/>
+              <a:t>Jednoduchosť</a:t>
+            </a:r>
+            <a:endParaRPr lang="en-US" sz="3600" dirty="0" smtClean="0"/>
           </a:p>
           <a:p>
             <a:pPr marL="571500" indent="-571500">
+              <a:lnSpc>
+                <a:spcPct val="150000"/>
+              </a:lnSpc>
               <a:buFont typeface="Arial"/>
               <a:buChar char="•"/>
             </a:pPr>
             <a:r>
-              <a:rPr lang="en-US" sz="3600" dirty="0" smtClean="0"/>
-              <a:t>Choose correct (valid, accurate, good enough?) analytical model</a:t>
-            </a:r>
+              <a:rPr lang="en-US" sz="3600" dirty="0" err="1" smtClean="0"/>
+              <a:t>Interpretovate</a:t>
+            </a:r>
+            <a:r>
+              <a:rPr lang="en-US" sz="3600" dirty="0" err="1" smtClean="0"/>
+              <a:t>ľnosť</a:t>
+            </a:r>
+            <a:endParaRPr lang="en-US" sz="3600" dirty="0" smtClean="0"/>
           </a:p>
           <a:p>
             <a:pPr marL="571500" indent="-571500">
+              <a:lnSpc>
+                <a:spcPct val="150000"/>
+              </a:lnSpc>
               <a:buFont typeface="Arial"/>
               <a:buChar char="•"/>
             </a:pPr>
             <a:r>
+              <a:rPr lang="en-US" sz="3600" dirty="0" err="1" smtClean="0"/>
+              <a:t>Výber</a:t>
+            </a:r>
+            <a:r>
               <a:rPr lang="en-US" sz="3600" dirty="0" smtClean="0"/>
-              <a:t>Unbounded (near) real-time processing and analysis</a:t>
+              <a:t> </a:t>
+            </a:r>
+            <a:r>
+              <a:rPr lang="en-US" sz="3600" dirty="0" err="1" smtClean="0"/>
+              <a:t>správneho</a:t>
+            </a:r>
+            <a:r>
+              <a:rPr lang="en-US" sz="3600" dirty="0" smtClean="0"/>
+              <a:t> </a:t>
+            </a:r>
+            <a:r>
+              <a:rPr lang="en-US" sz="3600" dirty="0" err="1" smtClean="0"/>
+              <a:t>modelu</a:t>
+            </a:r>
+            <a:endParaRPr lang="en-US" sz="3600" dirty="0" smtClean="0"/>
+          </a:p>
+          <a:p>
+            <a:pPr marL="571500" indent="-571500">
+              <a:lnSpc>
+                <a:spcPct val="150000"/>
+              </a:lnSpc>
+              <a:buFont typeface="Arial"/>
+              <a:buChar char="•"/>
+            </a:pPr>
+            <a:r>
+              <a:rPr lang="en-US" sz="3600" dirty="0" err="1" smtClean="0"/>
+              <a:t>Analýza</a:t>
+            </a:r>
+            <a:r>
+              <a:rPr lang="en-US" sz="3600" dirty="0" smtClean="0"/>
+              <a:t> v (</a:t>
+            </a:r>
+            <a:r>
+              <a:rPr lang="en-US" sz="3600" dirty="0" err="1" smtClean="0"/>
+              <a:t>takmer</a:t>
+            </a:r>
+            <a:r>
+              <a:rPr lang="en-US" sz="3600" dirty="0" smtClean="0"/>
+              <a:t>) </a:t>
+            </a:r>
+            <a:r>
+              <a:rPr lang="en-US" sz="3600" dirty="0" err="1" smtClean="0"/>
+              <a:t>reálnom</a:t>
+            </a:r>
+            <a:r>
+              <a:rPr lang="en-US" sz="3600" dirty="0" smtClean="0"/>
+              <a:t> </a:t>
+            </a:r>
+            <a:r>
+              <a:rPr lang="en-US" sz="3600" dirty="0" err="1" smtClean="0"/>
+              <a:t>čase</a:t>
             </a:r>
             <a:endParaRPr lang="en-US" sz="3600" dirty="0"/>
           </a:p>
